--- a/cl-ai-in-the-curriculum.pptx
+++ b/cl-ai-in-the-curriculum.pptx
@@ -5,7 +5,7 @@
     <p:sldMasterId id="2147483648" r:id="rId1"/>
   </p:sldMasterIdLst>
   <p:notesMasterIdLst>
-    <p:notesMasterId r:id="rId16"/>
+    <p:notesMasterId r:id="rId17"/>
   </p:notesMasterIdLst>
   <p:sldIdLst>
     <p:sldId id="256" r:id="rId2"/>
@@ -22,6 +22,7 @@
     <p:sldId id="267" r:id="rId13"/>
     <p:sldId id="268" r:id="rId14"/>
     <p:sldId id="269" r:id="rId15"/>
+    <p:sldId id="270" r:id="rId16"/>
   </p:sldIdLst>
   <p:sldSz cx="9144000" cy="5143500" type="screen16x9"/>
   <p:notesSz cx="6858000" cy="9144000"/>
@@ -653,7 +654,7 @@
           <a:p>
             <a:fld id="{18BDFEC3-8487-43E8-A154-7C12CBC1FFF2}" type="slidenum">
               <a:rPr lang="en-US"/>
-              <a:t>2</a:t>
+              <a:t>3</a:t>
             </a:fld>
             <a:endParaRPr lang="en-US"/>
           </a:p>
@@ -825,7 +826,7 @@
           <a:p>
             <a:fld id="{18BDFEC3-8487-43E8-A154-7C12CBC1FFF2}" type="slidenum">
               <a:rPr lang="en-US"/>
-              <a:t>11</a:t>
+              <a:t>12</a:t>
             </a:fld>
             <a:endParaRPr lang="en-US"/>
           </a:p>
@@ -967,7 +968,7 @@
           <a:p>
             <a:fld id="{18BDFEC3-8487-43E8-A154-7C12CBC1FFF2}" type="slidenum">
               <a:rPr lang="en-US"/>
-              <a:t>12</a:t>
+              <a:t>13</a:t>
             </a:fld>
             <a:endParaRPr lang="en-US"/>
           </a:p>
@@ -1107,7 +1108,7 @@
           <a:p>
             <a:fld id="{18BDFEC3-8487-43E8-A154-7C12CBC1FFF2}" type="slidenum">
               <a:rPr lang="en-US"/>
-              <a:t>13</a:t>
+              <a:t>14</a:t>
             </a:fld>
             <a:endParaRPr lang="en-US"/>
           </a:p>
@@ -1311,7 +1312,7 @@
           <a:p>
             <a:fld id="{18BDFEC3-8487-43E8-A154-7C12CBC1FFF2}" type="slidenum">
               <a:rPr lang="en-US"/>
-              <a:t>3</a:t>
+              <a:t>4</a:t>
             </a:fld>
             <a:endParaRPr lang="en-US"/>
           </a:p>
@@ -1509,7 +1510,7 @@
           <a:p>
             <a:fld id="{18BDFEC3-8487-43E8-A154-7C12CBC1FFF2}" type="slidenum">
               <a:rPr lang="en-US"/>
-              <a:t>4</a:t>
+              <a:t>5</a:t>
             </a:fld>
             <a:endParaRPr lang="en-US"/>
           </a:p>
@@ -1659,7 +1660,7 @@
           <a:p>
             <a:fld id="{18BDFEC3-8487-43E8-A154-7C12CBC1FFF2}" type="slidenum">
               <a:rPr lang="en-US"/>
-              <a:t>5</a:t>
+              <a:t>6</a:t>
             </a:fld>
             <a:endParaRPr lang="en-US"/>
           </a:p>
@@ -1805,7 +1806,7 @@
           <a:p>
             <a:fld id="{18BDFEC3-8487-43E8-A154-7C12CBC1FFF2}" type="slidenum">
               <a:rPr lang="en-US"/>
-              <a:t>6</a:t>
+              <a:t>7</a:t>
             </a:fld>
             <a:endParaRPr lang="en-US"/>
           </a:p>
@@ -2009,7 +2010,7 @@
           <a:p>
             <a:fld id="{18BDFEC3-8487-43E8-A154-7C12CBC1FFF2}" type="slidenum">
               <a:rPr lang="en-US"/>
-              <a:t>7</a:t>
+              <a:t>8</a:t>
             </a:fld>
             <a:endParaRPr lang="en-US"/>
           </a:p>
@@ -2195,7 +2196,7 @@
           <a:p>
             <a:fld id="{18BDFEC3-8487-43E8-A154-7C12CBC1FFF2}" type="slidenum">
               <a:rPr lang="en-US"/>
-              <a:t>8</a:t>
+              <a:t>9</a:t>
             </a:fld>
             <a:endParaRPr lang="en-US"/>
           </a:p>
@@ -2367,7 +2368,7 @@
           <a:p>
             <a:fld id="{18BDFEC3-8487-43E8-A154-7C12CBC1FFF2}" type="slidenum">
               <a:rPr lang="en-US"/>
-              <a:t>9</a:t>
+              <a:t>10</a:t>
             </a:fld>
             <a:endParaRPr lang="en-US"/>
           </a:p>
@@ -2553,7 +2554,7 @@
           <a:p>
             <a:fld id="{18BDFEC3-8487-43E8-A154-7C12CBC1FFF2}" type="slidenum">
               <a:rPr lang="en-US"/>
-              <a:t>10</a:t>
+              <a:t>11</a:t>
             </a:fld>
             <a:endParaRPr lang="en-US"/>
           </a:p>
@@ -5635,7 +5636,7 @@
             </a:pPr>
             <a:r>
               <a:rPr/>
-              <a:t>Showcase: Curriculum Curator (FLX)</a:t>
+              <a:t>Quick Win: 30-Minute Experiment</a:t>
             </a:r>
           </a:p>
         </p:txBody>
@@ -5658,33 +5659,33 @@
             <a:pPr lvl="0"/>
             <a:r>
               <a:rPr b="1"/>
-              <a:t>Tool</a:t>
-            </a:r>
-            <a:r>
-              <a:rPr/>
-              <a:t>: Import → Restructure → Save 80% time</a:t>
+              <a:t>What</a:t>
+            </a:r>
+            <a:r>
+              <a:rPr/>
+              <a:t>: Worksheet → HTML in 30 min</a:t>
             </a:r>
           </a:p>
           <a:p>
             <a:pPr lvl="0"/>
             <a:r>
               <a:rPr b="1"/>
-              <a:t>Value</a:t>
-            </a:r>
-            <a:r>
-              <a:rPr/>
-              <a:t>: Supports staff, not replaces</a:t>
+              <a:t>Result</a:t>
+            </a:r>
+            <a:r>
+              <a:rPr/>
+              <a:t>: Upload both verisons, more engagement</a:t>
             </a:r>
           </a:p>
           <a:p>
             <a:pPr lvl="0"/>
             <a:r>
               <a:rPr b="1"/>
-              <a:t>Takeaway</a:t>
-            </a:r>
-            <a:r>
-              <a:rPr/>
-              <a:t>: Efficiency</a:t>
+              <a:t>Key Insight</a:t>
+            </a:r>
+            <a:r>
+              <a:rPr/>
+              <a:t>: Options, not replacements</a:t>
             </a:r>
           </a:p>
         </p:txBody>
@@ -5731,7 +5732,7 @@
             </a:pPr>
             <a:r>
               <a:rPr/>
-              <a:t>Questions to Guide Your Thinking</a:t>
+              <a:t>Showcase: Curriculum Curator (FLX)</a:t>
             </a:r>
           </a:p>
         </p:txBody>
@@ -5753,29 +5754,34 @@
           <a:p>
             <a:pPr lvl="0"/>
             <a:r>
-              <a:rPr/>
-              <a:t>Where can AI save time?</a:t>
-            </a:r>
-          </a:p>
-          <a:p>
-            <a:pPr lvl="0"/>
-            <a:r>
-              <a:rPr/>
-              <a:t>How could students practice discipline-specific skills?</a:t>
-            </a:r>
-          </a:p>
-          <a:p>
-            <a:pPr lvl="0"/>
-            <a:r>
-              <a:rPr/>
-              <a:t>What risks/barriers must we prepare for?</a:t>
-            </a:r>
-          </a:p>
-          <a:p>
-            <a:pPr lvl="0"/>
-            <a:r>
-              <a:rPr/>
-              <a:t>How do we move past AI shame?</a:t>
+              <a:rPr b="1"/>
+              <a:t>Tool</a:t>
+            </a:r>
+            <a:r>
+              <a:rPr/>
+              <a:t>: Import → Restructure → Save 80% time</a:t>
+            </a:r>
+          </a:p>
+          <a:p>
+            <a:pPr lvl="0"/>
+            <a:r>
+              <a:rPr b="1"/>
+              <a:t>Value</a:t>
+            </a:r>
+            <a:r>
+              <a:rPr/>
+              <a:t>: Supports staff, not replaces</a:t>
+            </a:r>
+          </a:p>
+          <a:p>
+            <a:pPr lvl="0"/>
+            <a:r>
+              <a:rPr b="1"/>
+              <a:t>Takeaway</a:t>
+            </a:r>
+            <a:r>
+              <a:rPr/>
+              <a:t>: Efficiency</a:t>
             </a:r>
           </a:p>
         </p:txBody>
@@ -5822,7 +5828,7 @@
             </a:pPr>
             <a:r>
               <a:rPr/>
-              <a:t>Let’s Discuss</a:t>
+              <a:t>Questions to Guide Your Thinking</a:t>
             </a:r>
           </a:p>
         </p:txBody>
@@ -5845,28 +5851,28 @@
             <a:pPr lvl="0"/>
             <a:r>
               <a:rPr/>
-              <a:t>What’s one small thing you could try next week?</a:t>
-            </a:r>
-          </a:p>
-          <a:p>
-            <a:pPr lvl="0"/>
-            <a:r>
-              <a:rPr/>
-              <a:t>What concerns need addressing?</a:t>
-            </a:r>
-          </a:p>
-          <a:p>
-            <a:pPr lvl="0"/>
-            <a:r>
-              <a:rPr/>
-              <a:t>How might your discipline benefit/challenge?</a:t>
-            </a:r>
-          </a:p>
-          <a:p>
-            <a:pPr lvl="0"/>
-            <a:r>
-              <a:rPr/>
-              <a:t>Have you felt AI shame?</a:t>
+              <a:t>Where can AI save time?</a:t>
+            </a:r>
+          </a:p>
+          <a:p>
+            <a:pPr lvl="0"/>
+            <a:r>
+              <a:rPr/>
+              <a:t>How could students practice discipline-specific skills?</a:t>
+            </a:r>
+          </a:p>
+          <a:p>
+            <a:pPr lvl="0"/>
+            <a:r>
+              <a:rPr/>
+              <a:t>What risks/barriers must we prepare for?</a:t>
+            </a:r>
+          </a:p>
+          <a:p>
+            <a:pPr lvl="0"/>
+            <a:r>
+              <a:rPr/>
+              <a:t>How do we move past AI shame?</a:t>
             </a:r>
           </a:p>
         </p:txBody>
@@ -5913,7 +5919,7 @@
             </a:pPr>
             <a:r>
               <a:rPr/>
-              <a:t>Thank You</a:t>
+              <a:t>Let’s Discuss</a:t>
             </a:r>
           </a:p>
         </p:txBody>
@@ -5935,26 +5941,29 @@
           <a:p>
             <a:pPr lvl="0"/>
             <a:r>
-              <a:rPr i="1"/>
-              <a:t>“Not about answers — just questions worth asking… together, without shame”</a:t>
-            </a:r>
-          </a:p>
-          <a:p>
-            <a:pPr lvl="0"/>
-            <a:r>
-              <a:rPr b="1"/>
-              <a:t>Next Step</a:t>
-            </a:r>
-            <a:r>
-              <a:rPr/>
-              <a:t>: Try one small experiment, share results</a:t>
-            </a:r>
-          </a:p>
-          <a:p>
-            <a:pPr lvl="0"/>
-            <a:r>
-              <a:rPr i="1"/>
-              <a:t>“The best way to predict the future is to help create it”</a:t>
+              <a:rPr/>
+              <a:t>What’s one small thing you could try next week?</a:t>
+            </a:r>
+          </a:p>
+          <a:p>
+            <a:pPr lvl="0"/>
+            <a:r>
+              <a:rPr/>
+              <a:t>What concerns need addressing?</a:t>
+            </a:r>
+          </a:p>
+          <a:p>
+            <a:pPr lvl="0"/>
+            <a:r>
+              <a:rPr/>
+              <a:t>How might your discipline benefit/challenge?</a:t>
+            </a:r>
+          </a:p>
+          <a:p>
+            <a:pPr lvl="0"/>
+            <a:r>
+              <a:rPr/>
+              <a:t>Have you felt AI shame?</a:t>
             </a:r>
           </a:p>
         </p:txBody>
@@ -6001,6 +6010,94 @@
             </a:pPr>
             <a:r>
               <a:rPr/>
+              <a:t>Thank You</a:t>
+            </a:r>
+          </a:p>
+        </p:txBody>
+      </p:sp>
+      <p:sp>
+        <p:nvSpPr>
+          <p:cNvPr id="3" name="Content Placeholder 2"/>
+          <p:cNvSpPr>
+            <a:spLocks noGrp="1"/>
+          </p:cNvSpPr>
+          <p:nvPr>
+            <p:ph idx="1"/>
+          </p:nvPr>
+        </p:nvSpPr>
+        <p:spPr/>
+        <p:txBody>
+          <a:bodyPr/>
+          <a:lstStyle/>
+          <a:p>
+            <a:pPr lvl="0"/>
+            <a:r>
+              <a:rPr i="1"/>
+              <a:t>“Not about answers — just questions worth asking… together, without shame”</a:t>
+            </a:r>
+          </a:p>
+          <a:p>
+            <a:pPr lvl="0"/>
+            <a:r>
+              <a:rPr b="1"/>
+              <a:t>Next Step</a:t>
+            </a:r>
+            <a:r>
+              <a:rPr/>
+              <a:t>: Try one small experiment, share results</a:t>
+            </a:r>
+          </a:p>
+          <a:p>
+            <a:pPr lvl="0"/>
+            <a:r>
+              <a:rPr i="1"/>
+              <a:t>“The best way to predict the future is to help create it”</a:t>
+            </a:r>
+          </a:p>
+        </p:txBody>
+      </p:sp>
+    </p:spTree>
+  </p:cSld>
+</p:sld>
+</file>
+
+<file path=ppt/slides/slide15.xml><?xml version="1.0" encoding="utf-8"?>
+<p:sld xmlns:a="http://schemas.openxmlformats.org/drawingml/2006/main" xmlns:r="http://schemas.openxmlformats.org/officeDocument/2006/relationships" xmlns:p="http://schemas.openxmlformats.org/presentationml/2006/main">
+  <p:cSld>
+    <p:spTree>
+      <p:nvGrpSpPr>
+        <p:cNvPr id="1" name=""/>
+        <p:cNvGrpSpPr/>
+        <p:nvPr/>
+      </p:nvGrpSpPr>
+      <p:grpSpPr>
+        <a:xfrm>
+          <a:off x="0" y="0"/>
+          <a:ext cx="0" cy="0"/>
+          <a:chOff x="0" y="0"/>
+          <a:chExt cx="0" cy="0"/>
+        </a:xfrm>
+      </p:grpSpPr>
+      <p:sp>
+        <p:nvSpPr>
+          <p:cNvPr id="2" name="Title 1"/>
+          <p:cNvSpPr>
+            <a:spLocks noGrp="1"/>
+          </p:cNvSpPr>
+          <p:nvPr>
+            <p:ph type="title"/>
+          </p:nvPr>
+        </p:nvSpPr>
+        <p:spPr/>
+        <p:txBody>
+          <a:bodyPr/>
+          <a:lstStyle/>
+          <a:p>
+            <a:pPr lvl="0" indent="0" marL="0">
+              <a:buNone/>
+            </a:pPr>
+            <a:r>
+              <a:rPr/>
               <a:t>Resources &amp; References</a:t>
             </a:r>
           </a:p>
@@ -6119,75 +6216,83 @@
             <p:ph type="title"/>
           </p:nvPr>
         </p:nvSpPr>
-        <p:spPr/>
-        <p:txBody>
-          <a:bodyPr/>
-          <a:lstStyle/>
-          <a:p>
-            <a:pPr lvl="0" indent="0" marL="0">
-              <a:buNone/>
-            </a:pPr>
-            <a:r>
-              <a:rPr/>
-              <a:t>Framing the Conversation</a:t>
-            </a:r>
-          </a:p>
-        </p:txBody>
-      </p:sp>
-      <p:sp>
-        <p:nvSpPr>
-          <p:cNvPr id="3" name="Content Placeholder 2"/>
-          <p:cNvSpPr>
-            <a:spLocks noGrp="1"/>
-          </p:cNvSpPr>
-          <p:nvPr>
-            <p:ph idx="1"/>
-          </p:nvPr>
-        </p:nvSpPr>
-        <p:spPr/>
-        <p:txBody>
-          <a:bodyPr/>
-          <a:lstStyle/>
-          <a:p>
-            <a:pPr lvl="0"/>
-            <a:r>
-              <a:rPr b="1"/>
-              <a:t>Reality Check</a:t>
-            </a:r>
-            <a:r>
-              <a:rPr/>
-              <a:t>: AI already in workflows; disciplines differ; no one-size-fits-all</a:t>
-            </a:r>
-          </a:p>
-          <a:p>
-            <a:pPr lvl="0"/>
-            <a:r>
-              <a:rPr b="1"/>
-              <a:t>Today’s Goal</a:t>
-            </a:r>
-            <a:r>
-              <a:rPr/>
-              <a:t>: Share challenges &amp; spark reflection</a:t>
-            </a:r>
-          </a:p>
-          <a:p>
-            <a:pPr lvl="0"/>
-            <a:r>
-              <a:rPr i="1"/>
-              <a:t>“Not about answers — just questions worth asking”</a:t>
-            </a:r>
-          </a:p>
-          <a:p>
-            <a:pPr lvl="0" indent="0" marL="0">
-              <a:buNone/>
-            </a:pPr>
-            <a:r>
-              <a:rPr i="1"/>
-              <a:t>AI Acknowledgment: AI tools were used in the initial drafting and development of this document. All content has been reviewed, refined, and validated through human expertise and professional judgment.</a:t>
-            </a:r>
-          </a:p>
-        </p:txBody>
-      </p:sp>
+        <p:spPr>
+          <a:xfrm>
+            <a:off x="457201" y="204787"/>
+            <a:ext cx="3008313" cy="871538"/>
+          </a:xfrm>
+        </p:spPr>
+        <p:txBody>
+          <a:bodyPr/>
+          <a:lstStyle/>
+          <a:p>
+            <a:pPr lvl="0" indent="0" marL="0">
+              <a:buNone/>
+            </a:pPr>
+            <a:r>
+              <a:rPr/>
+              <a:t>Companion Website</a:t>
+            </a:r>
+          </a:p>
+        </p:txBody>
+      </p:sp>
+      <p:sp>
+        <p:nvSpPr>
+          <p:cNvPr id="4" name="Text Placeholder 3"/>
+          <p:cNvSpPr>
+            <a:spLocks noGrp="1"/>
+          </p:cNvSpPr>
+          <p:nvPr>
+            <p:ph idx="2" sz="half" type="body"/>
+          </p:nvPr>
+        </p:nvSpPr>
+        <p:spPr/>
+        <p:txBody>
+          <a:bodyPr/>
+          <a:lstStyle/>
+          <a:p>
+            <a:pPr lvl="0" indent="0" marL="0">
+              <a:buNone/>
+            </a:pPr>
+            <a:r>
+              <a:rPr>
+                <a:hlinkClick r:id="rId2"/>
+              </a:rPr>
+              <a:t>AI in the Curriculum</a:t>
+            </a:r>
+          </a:p>
+        </p:txBody>
+      </p:sp>
+      <p:pic>
+        <p:nvPicPr>
+          <p:cNvPr descr="./ai_in_curriculum_qr.png" id="0" name="Picture 1"/>
+          <p:cNvPicPr>
+            <a:picLocks noGrp="1" noChangeAspect="1"/>
+          </p:cNvPicPr>
+          <p:nvPr/>
+        </p:nvPicPr>
+        <p:blipFill>
+          <a:blip r:embed="rId3"/>
+          <a:stretch>
+            <a:fillRect/>
+          </a:stretch>
+        </p:blipFill>
+        <p:spPr bwMode="auto">
+          <a:xfrm>
+            <a:off x="3937000" y="203200"/>
+            <a:ext cx="4381500" cy="4381500"/>
+          </a:xfrm>
+          <a:prstGeom prst="rect">
+            <a:avLst/>
+          </a:prstGeom>
+          <a:noFill/>
+          <a:ln w="9525">
+            <a:noFill/>
+            <a:headEnd/>
+            <a:tailEnd/>
+          </a:ln>
+        </p:spPr>
+      </p:pic>
     </p:spTree>
   </p:cSld>
 </p:sld>
@@ -6230,7 +6335,7 @@
             </a:pPr>
             <a:r>
               <a:rPr/>
-              <a:t>Over-Trust: The “Fountain of Knowledge” Problem</a:t>
+              <a:t>Framing the Conversation</a:t>
             </a:r>
           </a:p>
         </p:txBody>
@@ -6253,34 +6358,38 @@
             <a:pPr lvl="0"/>
             <a:r>
               <a:rPr b="1"/>
-              <a:t>Challenge</a:t>
-            </a:r>
-            <a:r>
-              <a:rPr/>
-              <a:t>: Students over-trust AI</a:t>
+              <a:t>Reality Check</a:t>
+            </a:r>
+            <a:r>
+              <a:rPr/>
+              <a:t>: AI already in workflows; disciplines differ; no one-size-fits-all</a:t>
             </a:r>
           </a:p>
           <a:p>
             <a:pPr lvl="0"/>
             <a:r>
               <a:rPr b="1"/>
-              <a:t>Impact</a:t>
-            </a:r>
-            <a:r>
-              <a:rPr/>
-              <a:t>: Weakens critical thinking</a:t>
-            </a:r>
-            <a:br/>
-          </a:p>
-          <a:p>
-            <a:pPr lvl="0"/>
-            <a:r>
-              <a:rPr b="1"/>
-              <a:t>Response</a:t>
-            </a:r>
-            <a:r>
-              <a:rPr/>
-              <a:t>: Error-spotting, critique, reward questioning</a:t>
+              <a:t>Today’s Goal</a:t>
+            </a:r>
+            <a:r>
+              <a:rPr/>
+              <a:t>: Share challenges &amp; spark reflection</a:t>
+            </a:r>
+          </a:p>
+          <a:p>
+            <a:pPr lvl="0"/>
+            <a:r>
+              <a:rPr i="1"/>
+              <a:t>“Not about answers — just questions worth asking”</a:t>
+            </a:r>
+          </a:p>
+          <a:p>
+            <a:pPr lvl="0" indent="0" marL="0">
+              <a:buNone/>
+            </a:pPr>
+            <a:r>
+              <a:rPr i="1"/>
+              <a:t>AI Acknowledgment: AI tools were used in the initial drafting and development of this document. All content has been reviewed, refined, and validated through human expertise and professional judgment.</a:t>
             </a:r>
           </a:p>
         </p:txBody>
@@ -6291,6 +6400,103 @@
 </file>
 
 <file path=ppt/slides/slide4.xml><?xml version="1.0" encoding="utf-8"?>
+<p:sld xmlns:a="http://schemas.openxmlformats.org/drawingml/2006/main" xmlns:r="http://schemas.openxmlformats.org/officeDocument/2006/relationships" xmlns:p="http://schemas.openxmlformats.org/presentationml/2006/main">
+  <p:cSld>
+    <p:spTree>
+      <p:nvGrpSpPr>
+        <p:cNvPr id="1" name=""/>
+        <p:cNvGrpSpPr/>
+        <p:nvPr/>
+      </p:nvGrpSpPr>
+      <p:grpSpPr>
+        <a:xfrm>
+          <a:off x="0" y="0"/>
+          <a:ext cx="0" cy="0"/>
+          <a:chOff x="0" y="0"/>
+          <a:chExt cx="0" cy="0"/>
+        </a:xfrm>
+      </p:grpSpPr>
+      <p:sp>
+        <p:nvSpPr>
+          <p:cNvPr id="2" name="Title 1"/>
+          <p:cNvSpPr>
+            <a:spLocks noGrp="1"/>
+          </p:cNvSpPr>
+          <p:nvPr>
+            <p:ph type="title"/>
+          </p:nvPr>
+        </p:nvSpPr>
+        <p:spPr/>
+        <p:txBody>
+          <a:bodyPr/>
+          <a:lstStyle/>
+          <a:p>
+            <a:pPr lvl="0" indent="0" marL="0">
+              <a:buNone/>
+            </a:pPr>
+            <a:r>
+              <a:rPr/>
+              <a:t>Over-Trust: The “Fountain of Knowledge” Problem</a:t>
+            </a:r>
+          </a:p>
+        </p:txBody>
+      </p:sp>
+      <p:sp>
+        <p:nvSpPr>
+          <p:cNvPr id="3" name="Content Placeholder 2"/>
+          <p:cNvSpPr>
+            <a:spLocks noGrp="1"/>
+          </p:cNvSpPr>
+          <p:nvPr>
+            <p:ph idx="1"/>
+          </p:nvPr>
+        </p:nvSpPr>
+        <p:spPr/>
+        <p:txBody>
+          <a:bodyPr/>
+          <a:lstStyle/>
+          <a:p>
+            <a:pPr lvl="0"/>
+            <a:r>
+              <a:rPr b="1"/>
+              <a:t>Challenge</a:t>
+            </a:r>
+            <a:r>
+              <a:rPr/>
+              <a:t>: Students over-trust AI</a:t>
+            </a:r>
+          </a:p>
+          <a:p>
+            <a:pPr lvl="0"/>
+            <a:r>
+              <a:rPr b="1"/>
+              <a:t>Impact</a:t>
+            </a:r>
+            <a:r>
+              <a:rPr/>
+              <a:t>: Weakens critical thinking</a:t>
+            </a:r>
+            <a:br/>
+          </a:p>
+          <a:p>
+            <a:pPr lvl="0"/>
+            <a:r>
+              <a:rPr b="1"/>
+              <a:t>Response</a:t>
+            </a:r>
+            <a:r>
+              <a:rPr/>
+              <a:t>: Error-spotting, critique, reward questioning</a:t>
+            </a:r>
+          </a:p>
+        </p:txBody>
+      </p:sp>
+    </p:spTree>
+  </p:cSld>
+</p:sld>
+</file>
+
+<file path=ppt/slides/slide5.xml><?xml version="1.0" encoding="utf-8"?>
 <p:sld xmlns:a="http://schemas.openxmlformats.org/drawingml/2006/main" xmlns:r="http://schemas.openxmlformats.org/officeDocument/2006/relationships" xmlns:p="http://schemas.openxmlformats.org/presentationml/2006/main">
   <p:cSld>
     <p:spTree>
@@ -6446,105 +6652,6 @@
 </p:sld>
 </file>
 
-<file path=ppt/slides/slide5.xml><?xml version="1.0" encoding="utf-8"?>
-<p:sld xmlns:a="http://schemas.openxmlformats.org/drawingml/2006/main" xmlns:r="http://schemas.openxmlformats.org/officeDocument/2006/relationships" xmlns:p="http://schemas.openxmlformats.org/presentationml/2006/main">
-  <p:cSld>
-    <p:spTree>
-      <p:nvGrpSpPr>
-        <p:cNvPr id="1" name=""/>
-        <p:cNvGrpSpPr/>
-        <p:nvPr/>
-      </p:nvGrpSpPr>
-      <p:grpSpPr>
-        <a:xfrm>
-          <a:off x="0" y="0"/>
-          <a:ext cx="0" cy="0"/>
-          <a:chOff x="0" y="0"/>
-          <a:chExt cx="0" cy="0"/>
-        </a:xfrm>
-      </p:grpSpPr>
-      <p:sp>
-        <p:nvSpPr>
-          <p:cNvPr id="2" name="Title 1"/>
-          <p:cNvSpPr>
-            <a:spLocks noGrp="1"/>
-          </p:cNvSpPr>
-          <p:nvPr>
-            <p:ph type="title"/>
-          </p:nvPr>
-        </p:nvSpPr>
-        <p:spPr/>
-        <p:txBody>
-          <a:bodyPr/>
-          <a:lstStyle/>
-          <a:p>
-            <a:pPr lvl="0" indent="0" marL="0">
-              <a:buNone/>
-            </a:pPr>
-            <a:r>
-              <a:rPr/>
-              <a:t>Misplaced Blame: It’s Not the Tool</a:t>
-            </a:r>
-          </a:p>
-        </p:txBody>
-      </p:sp>
-      <p:sp>
-        <p:nvSpPr>
-          <p:cNvPr id="3" name="Content Placeholder 2"/>
-          <p:cNvSpPr>
-            <a:spLocks noGrp="1"/>
-          </p:cNvSpPr>
-          <p:nvPr>
-            <p:ph idx="1"/>
-          </p:nvPr>
-        </p:nvSpPr>
-        <p:spPr/>
-        <p:txBody>
-          <a:bodyPr/>
-          <a:lstStyle/>
-          <a:p>
-            <a:pPr lvl="0"/>
-            <a:r>
-              <a:rPr b="1"/>
-              <a:t>Challenge</a:t>
-            </a:r>
-            <a:r>
-              <a:rPr/>
-              <a:t>: Staff blame AI for integrity issues</a:t>
-            </a:r>
-          </a:p>
-          <a:p>
-            <a:pPr lvl="0"/>
-            <a:r>
-              <a:rPr b="1"/>
-              <a:t>Response</a:t>
-            </a:r>
-            <a:r>
-              <a:rPr/>
-              <a:t>: Adapt assessment, don’t ban</a:t>
-            </a:r>
-          </a:p>
-          <a:p>
-            <a:pPr lvl="1"/>
-            <a:r>
-              <a:rPr/>
-              <a:t>Authentic, Personalised, Reflective</a:t>
-            </a:r>
-          </a:p>
-          <a:p>
-            <a:pPr lvl="0"/>
-            <a:r>
-              <a:rPr i="1"/>
-              <a:t>Past tools changed assessment, AI will too</a:t>
-            </a:r>
-          </a:p>
-        </p:txBody>
-      </p:sp>
-    </p:spTree>
-  </p:cSld>
-</p:sld>
-</file>
-
 <file path=ppt/slides/slide6.xml><?xml version="1.0" encoding="utf-8"?>
 <p:sld xmlns:a="http://schemas.openxmlformats.org/drawingml/2006/main" xmlns:r="http://schemas.openxmlformats.org/officeDocument/2006/relationships" xmlns:p="http://schemas.openxmlformats.org/presentationml/2006/main">
   <p:cSld>
@@ -6582,7 +6689,7 @@
             </a:pPr>
             <a:r>
               <a:rPr/>
-              <a:t>Fear of AI: The Root of Resistance</a:t>
+              <a:t>Misplaced Blame: It’s Not the Tool</a:t>
             </a:r>
           </a:p>
         </p:txBody>
@@ -6605,54 +6712,36 @@
             <a:pPr lvl="0"/>
             <a:r>
               <a:rPr b="1"/>
-              <a:t>The Fear</a:t>
-            </a:r>
-            <a:r>
-              <a:rPr/>
-              <a:t>: “AI will replace me” | “I’ll become obsolete” | “My expertise won’t matter”</a:t>
+              <a:t>Challenge</a:t>
+            </a:r>
+            <a:r>
+              <a:rPr/>
+              <a:t>: Staff blame AI for integrity issues</a:t>
             </a:r>
           </a:p>
           <a:p>
             <a:pPr lvl="0"/>
             <a:r>
               <a:rPr b="1"/>
-              <a:t>The Reality</a:t>
-            </a:r>
-            <a:r>
-              <a:rPr/>
-              <a:t>: Every new tool sparked fear</a:t>
+              <a:t>Response</a:t>
+            </a:r>
+            <a:r>
+              <a:rPr/>
+              <a:t>: Adapt assessment, don’t ban</a:t>
             </a:r>
           </a:p>
           <a:p>
             <a:pPr lvl="1"/>
             <a:r>
               <a:rPr/>
-              <a:t>Printing press → scribes worried</a:t>
-            </a:r>
-          </a:p>
-          <a:p>
-            <a:pPr lvl="1"/>
-            <a:r>
-              <a:rPr/>
-              <a:t>Calculators → mathematicians concerned</a:t>
-            </a:r>
-          </a:p>
-          <a:p>
-            <a:pPr lvl="1"/>
-            <a:r>
-              <a:rPr/>
-              <a:t>Internet → everyone panicked</a:t>
-            </a:r>
-          </a:p>
-          <a:p>
-            <a:pPr lvl="0"/>
-            <a:r>
-              <a:rPr b="1"/>
-              <a:t>The Pattern</a:t>
-            </a:r>
-            <a:r>
-              <a:rPr/>
-              <a:t>: Those who adapted thrived</a:t>
+              <a:t>Authentic, Personalised, Reflective</a:t>
+            </a:r>
+          </a:p>
+          <a:p>
+            <a:pPr lvl="0"/>
+            <a:r>
+              <a:rPr i="1"/>
+              <a:t>Past tools changed assessment, AI will too</a:t>
             </a:r>
           </a:p>
         </p:txBody>
@@ -6699,7 +6788,7 @@
             </a:pPr>
             <a:r>
               <a:rPr/>
-              <a:t>AI Shame: The Hidden Barrier</a:t>
+              <a:t>Fear of AI: The Root of Resistance</a:t>
             </a:r>
           </a:p>
         </p:txBody>
@@ -6722,33 +6811,54 @@
             <a:pPr lvl="0"/>
             <a:r>
               <a:rPr b="1"/>
-              <a:t>Challenge</a:t>
-            </a:r>
-            <a:r>
-              <a:rPr/>
-              <a:t>: Students &amp; staff feel guilt/cheating</a:t>
+              <a:t>The Fear</a:t>
+            </a:r>
+            <a:r>
+              <a:rPr/>
+              <a:t>: “AI will replace me” | “I’ll become obsolete” | “My expertise won’t matter”</a:t>
             </a:r>
           </a:p>
           <a:p>
             <a:pPr lvl="0"/>
             <a:r>
               <a:rPr b="1"/>
-              <a:t>Impact</a:t>
-            </a:r>
-            <a:r>
-              <a:rPr/>
-              <a:t>: Underground use, stress, lost learning</a:t>
+              <a:t>The Reality</a:t>
+            </a:r>
+            <a:r>
+              <a:rPr/>
+              <a:t>: Every new tool sparked fear</a:t>
+            </a:r>
+          </a:p>
+          <a:p>
+            <a:pPr lvl="1"/>
+            <a:r>
+              <a:rPr/>
+              <a:t>Printing press → scribes worried</a:t>
+            </a:r>
+          </a:p>
+          <a:p>
+            <a:pPr lvl="1"/>
+            <a:r>
+              <a:rPr/>
+              <a:t>Calculators → mathematicians concerned</a:t>
+            </a:r>
+          </a:p>
+          <a:p>
+            <a:pPr lvl="1"/>
+            <a:r>
+              <a:rPr/>
+              <a:t>Internet → everyone panicked</a:t>
             </a:r>
           </a:p>
           <a:p>
             <a:pPr lvl="0"/>
             <a:r>
               <a:rPr b="1"/>
-              <a:t>Response</a:t>
-            </a:r>
-            <a:r>
-              <a:rPr/>
-              <a:t>: Normalise, Teach process, Share examples</a:t>
+              <a:t>The Pattern</a:t>
+            </a:r>
+            <a:r>
+              <a:rPr/>
+              <a:t>: Those who adapted thrived</a:t>
             </a:r>
           </a:p>
         </p:txBody>
@@ -6795,7 +6905,7 @@
             </a:pPr>
             <a:r>
               <a:rPr/>
-              <a:t>Three Practical Pathways</a:t>
+              <a:t>AI Shame: The Hidden Barrier</a:t>
             </a:r>
           </a:p>
         </p:txBody>
@@ -6815,42 +6925,36 @@
           <a:bodyPr/>
           <a:lstStyle/>
           <a:p>
-            <a:pPr lvl="0" indent="-342900" marL="342900">
-              <a:buAutoNum type="arabicPeriod"/>
-            </a:pPr>
+            <a:pPr lvl="0"/>
             <a:r>
               <a:rPr b="1"/>
-              <a:t>Learning Assistant</a:t>
-            </a:r>
-            <a:r>
-              <a:rPr/>
-              <a:t>: Brainstorm, counter-arguments, debugging</a:t>
-            </a:r>
-          </a:p>
-          <a:p>
-            <a:pPr lvl="0" indent="-342900" marL="342900">
-              <a:buAutoNum type="arabicPeriod"/>
-            </a:pPr>
+              <a:t>Challenge</a:t>
+            </a:r>
+            <a:r>
+              <a:rPr/>
+              <a:t>: Students &amp; staff feel guilt/cheating</a:t>
+            </a:r>
+          </a:p>
+          <a:p>
+            <a:pPr lvl="0"/>
             <a:r>
               <a:rPr b="1"/>
-              <a:t>Teaching Partner</a:t>
-            </a:r>
-            <a:r>
-              <a:rPr/>
-              <a:t>: Practice problems, draft feedback, adaptive tasks</a:t>
-            </a:r>
-          </a:p>
-          <a:p>
-            <a:pPr lvl="0" indent="-342900" marL="342900">
-              <a:buAutoNum type="arabicPeriod"/>
-            </a:pPr>
+              <a:t>Impact</a:t>
+            </a:r>
+            <a:r>
+              <a:rPr/>
+              <a:t>: Underground use, stress, lost learning</a:t>
+            </a:r>
+          </a:p>
+          <a:p>
+            <a:pPr lvl="0"/>
             <a:r>
               <a:rPr b="1"/>
-              <a:t>Discipline Tool</a:t>
-            </a:r>
-            <a:r>
-              <a:rPr/>
-              <a:t>: Engineering, Business, Health, Arts</a:t>
+              <a:t>Response</a:t>
+            </a:r>
+            <a:r>
+              <a:rPr/>
+              <a:t>: Normalise, Teach process, Share examples</a:t>
             </a:r>
           </a:p>
         </p:txBody>
@@ -6897,7 +7001,7 @@
             </a:pPr>
             <a:r>
               <a:rPr/>
-              <a:t>Quick Win: 30-Minute Experiment</a:t>
+              <a:t>Three Practical Pathways</a:t>
             </a:r>
           </a:p>
         </p:txBody>
@@ -6917,36 +7021,42 @@
           <a:bodyPr/>
           <a:lstStyle/>
           <a:p>
-            <a:pPr lvl="0"/>
+            <a:pPr lvl="0" indent="-342900" marL="342900">
+              <a:buAutoNum type="arabicPeriod"/>
+            </a:pPr>
             <a:r>
               <a:rPr b="1"/>
-              <a:t>What</a:t>
-            </a:r>
-            <a:r>
-              <a:rPr/>
-              <a:t>: Worksheet → HTML in 30 min</a:t>
-            </a:r>
-          </a:p>
-          <a:p>
-            <a:pPr lvl="0"/>
+              <a:t>Learning Assistant</a:t>
+            </a:r>
+            <a:r>
+              <a:rPr/>
+              <a:t>: Brainstorm, counter-arguments, debugging</a:t>
+            </a:r>
+          </a:p>
+          <a:p>
+            <a:pPr lvl="0" indent="-342900" marL="342900">
+              <a:buAutoNum type="arabicPeriod"/>
+            </a:pPr>
             <a:r>
               <a:rPr b="1"/>
-              <a:t>Result</a:t>
-            </a:r>
-            <a:r>
-              <a:rPr/>
-              <a:t>: Upload both verisons, more engagement</a:t>
-            </a:r>
-          </a:p>
-          <a:p>
-            <a:pPr lvl="0"/>
+              <a:t>Teaching Partner</a:t>
+            </a:r>
+            <a:r>
+              <a:rPr/>
+              <a:t>: Practice problems, draft feedback, adaptive tasks</a:t>
+            </a:r>
+          </a:p>
+          <a:p>
+            <a:pPr lvl="0" indent="-342900" marL="342900">
+              <a:buAutoNum type="arabicPeriod"/>
+            </a:pPr>
             <a:r>
               <a:rPr b="1"/>
-              <a:t>Key Insight</a:t>
-            </a:r>
-            <a:r>
-              <a:rPr/>
-              <a:t>: Options, not replacements</a:t>
+              <a:t>Discipline Tool</a:t>
+            </a:r>
+            <a:r>
+              <a:rPr/>
+              <a:t>: Engineering, Business, Health, Arts</a:t>
             </a:r>
           </a:p>
         </p:txBody>

--- a/cl-ai-in-the-curriculum.pptx
+++ b/cl-ai-in-the-curriculum.pptx
@@ -5,7 +5,7 @@
     <p:sldMasterId id="2147483648" r:id="rId1"/>
   </p:sldMasterIdLst>
   <p:notesMasterIdLst>
-    <p:notesMasterId r:id="rId17"/>
+    <p:notesMasterId r:id="rId19"/>
   </p:notesMasterIdLst>
   <p:sldIdLst>
     <p:sldId id="256" r:id="rId2"/>
@@ -23,6 +23,8 @@
     <p:sldId id="268" r:id="rId14"/>
     <p:sldId id="269" r:id="rId15"/>
     <p:sldId id="270" r:id="rId16"/>
+    <p:sldId id="271" r:id="rId17"/>
+    <p:sldId id="272" r:id="rId18"/>
   </p:sldIdLst>
   <p:sldSz cx="9144000" cy="5143500" type="screen16x9"/>
   <p:notesSz cx="6858000" cy="9144000"/>
@@ -538,7 +540,27 @@
             </a:pPr>
             <a:r>
               <a:rPr/>
-              <a:t>I’m sharing observations from my own teaching and conversations with colleagues - you’ll likely recognize these patterns.</a:t>
+              <a:t>I’m sharing observations from my own teaching and conversations with colleagues - you’ll likely recognize these patterns. * </a:t>
+            </a:r>
+            <a:r>
+              <a:rPr b="1"/>
+              <a:t>Reality Check</a:t>
+            </a:r>
+            <a:r>
+              <a:rPr/>
+              <a:t>: AI already in workflows; disciplines differ; no one-size-fits-all * </a:t>
+            </a:r>
+            <a:r>
+              <a:rPr b="1"/>
+              <a:t>Today’s Goal</a:t>
+            </a:r>
+            <a:r>
+              <a:rPr/>
+              <a:t>: Share challenges &amp; spark reflection * </a:t>
+            </a:r>
+            <a:r>
+              <a:rPr i="1"/>
+              <a:t>“Not about answers — just questions worth asking”</a:t>
             </a:r>
           </a:p>
           <a:p>
@@ -654,7 +676,7 @@
           <a:p>
             <a:fld id="{18BDFEC3-8487-43E8-A154-7C12CBC1FFF2}" type="slidenum">
               <a:rPr lang="en-US"/>
-              <a:t>3</a:t>
+              <a:t>4</a:t>
             </a:fld>
             <a:endParaRPr lang="en-US"/>
           </a:p>
@@ -826,7 +848,7 @@
           <a:p>
             <a:fld id="{18BDFEC3-8487-43E8-A154-7C12CBC1FFF2}" type="slidenum">
               <a:rPr lang="en-US"/>
-              <a:t>12</a:t>
+              <a:t>14</a:t>
             </a:fld>
             <a:endParaRPr lang="en-US"/>
           </a:p>
@@ -968,7 +990,7 @@
           <a:p>
             <a:fld id="{18BDFEC3-8487-43E8-A154-7C12CBC1FFF2}" type="slidenum">
               <a:rPr lang="en-US"/>
-              <a:t>13</a:t>
+              <a:t>15</a:t>
             </a:fld>
             <a:endParaRPr lang="en-US"/>
           </a:p>
@@ -1108,7 +1130,7 @@
           <a:p>
             <a:fld id="{18BDFEC3-8487-43E8-A154-7C12CBC1FFF2}" type="slidenum">
               <a:rPr lang="en-US"/>
-              <a:t>14</a:t>
+              <a:t>16</a:t>
             </a:fld>
             <a:endParaRPr lang="en-US"/>
           </a:p>
@@ -1312,7 +1334,7 @@
           <a:p>
             <a:fld id="{18BDFEC3-8487-43E8-A154-7C12CBC1FFF2}" type="slidenum">
               <a:rPr lang="en-US"/>
-              <a:t>4</a:t>
+              <a:t>5</a:t>
             </a:fld>
             <a:endParaRPr lang="en-US"/>
           </a:p>
@@ -1510,7 +1532,7 @@
           <a:p>
             <a:fld id="{18BDFEC3-8487-43E8-A154-7C12CBC1FFF2}" type="slidenum">
               <a:rPr lang="en-US"/>
-              <a:t>5</a:t>
+              <a:t>6</a:t>
             </a:fld>
             <a:endParaRPr lang="en-US"/>
           </a:p>
@@ -1660,7 +1682,7 @@
           <a:p>
             <a:fld id="{18BDFEC3-8487-43E8-A154-7C12CBC1FFF2}" type="slidenum">
               <a:rPr lang="en-US"/>
-              <a:t>6</a:t>
+              <a:t>7</a:t>
             </a:fld>
             <a:endParaRPr lang="en-US"/>
           </a:p>
@@ -1806,7 +1828,7 @@
           <a:p>
             <a:fld id="{18BDFEC3-8487-43E8-A154-7C12CBC1FFF2}" type="slidenum">
               <a:rPr lang="en-US"/>
-              <a:t>7</a:t>
+              <a:t>8</a:t>
             </a:fld>
             <a:endParaRPr lang="en-US"/>
           </a:p>
@@ -2010,7 +2032,7 @@
           <a:p>
             <a:fld id="{18BDFEC3-8487-43E8-A154-7C12CBC1FFF2}" type="slidenum">
               <a:rPr lang="en-US"/>
-              <a:t>8</a:t>
+              <a:t>9</a:t>
             </a:fld>
             <a:endParaRPr lang="en-US"/>
           </a:p>
@@ -2069,12 +2091,180 @@
               <a:buNone/>
             </a:pPr>
             <a:r>
+              <a:rPr/>
+              <a:t>So how do we move to productive use? UNESCO’s research identifies multiple roles AI can play in education - not as replacement, but as partner.”</a:t>
+            </a:r>
+          </a:p>
+          <a:p>
+            <a:pPr lvl="0" indent="0" marL="0">
+              <a:buNone/>
+            </a:pPr>
+          </a:p>
+          <a:p>
+            <a:pPr lvl="0" indent="0" marL="0">
+              <a:buNone/>
+            </a:pPr>
+            <a:r>
               <a:rPr b="1"/>
-              <a:t>Frame positively</a:t>
-            </a:r>
-            <a:r>
-              <a:rPr/>
-              <a:t>: “These aren’t replacements - they’re enhancements”</a:t>
+              <a:t>Walk through key roles</a:t>
+            </a:r>
+            <a:r>
+              <a:rPr/>
+              <a:t> (pick 3-4 based on time):</a:t>
+            </a:r>
+          </a:p>
+          <a:p>
+            <a:pPr lvl="0" indent="0" marL="0">
+              <a:buNone/>
+            </a:pPr>
+          </a:p>
+          <a:p>
+            <a:pPr lvl="0" indent="0" marL="0">
+              <a:buNone/>
+            </a:pPr>
+            <a:r>
+              <a:rPr b="1"/>
+              <a:t>Possibility Engine example</a:t>
+            </a:r>
+            <a:r>
+              <a:rPr/>
+              <a:t>: “Students use ChatGPT to brainstorm essay topics. One student was stuck on a history assignment until AI helped generate 10 different angles - they chose one they’d never considered.”</a:t>
+            </a:r>
+          </a:p>
+          <a:p>
+            <a:pPr lvl="0" indent="0" marL="0">
+              <a:buNone/>
+            </a:pPr>
+          </a:p>
+          <a:p>
+            <a:pPr lvl="0" indent="0" marL="0">
+              <a:buNone/>
+            </a:pPr>
+            <a:r>
+              <a:rPr b="1"/>
+              <a:t>Socratic Opponent</a:t>
+            </a:r>
+            <a:r>
+              <a:rPr/>
+              <a:t>: “In my business ethics class, students argue one position while ChatGPT argues the opposite. Forces them to strengthen their reasoning - can’t just say ‘because I think so.’”</a:t>
+            </a:r>
+          </a:p>
+          <a:p>
+            <a:pPr lvl="0" indent="0" marL="0">
+              <a:buNone/>
+            </a:pPr>
+          </a:p>
+          <a:p>
+            <a:pPr lvl="0" indent="0" marL="0">
+              <a:buNone/>
+            </a:pPr>
+            <a:r>
+              <a:rPr b="1"/>
+              <a:t>Personal Tutor</a:t>
+            </a:r>
+            <a:r>
+              <a:rPr/>
+              <a:t> (relate to shame): “This addresses the shame issue directly - students can ask AI ‘dumb questions’ they’re embarrassed to ask in class. No judgment, infinite patience.”</a:t>
+            </a:r>
+          </a:p>
+          <a:p>
+            <a:pPr lvl="0" indent="0" marL="0">
+              <a:buNone/>
+            </a:pPr>
+          </a:p>
+          <a:p>
+            <a:pPr lvl="0" indent="0" marL="0">
+              <a:buNone/>
+            </a:pPr>
+            <a:r>
+              <a:rPr b="1"/>
+              <a:t>Study Buddy</a:t>
+            </a:r>
+            <a:r>
+              <a:rPr/>
+              <a:t>: “Perfect for exam prep. Students explain concepts TO the AI - if they can’t explain it clearly, they don’t understand it yet.”</a:t>
+            </a:r>
+          </a:p>
+          <a:p>
+            <a:pPr lvl="0" indent="0" marL="0">
+              <a:buNone/>
+            </a:pPr>
+          </a:p>
+          <a:p>
+            <a:pPr lvl="0" indent="0" marL="0">
+              <a:buNone/>
+            </a:pPr>
+            <a:r>
+              <a:rPr b="1"/>
+              <a:t>Key message</a:t>
+            </a:r>
+            <a:r>
+              <a:rPr/>
+              <a:t>: “Notice none of these replace YOU. They augment learning. AI handles repetitive tasks so you can focus on what only humans do - inspire, connect, judge quality, provide wisdom.”</a:t>
+            </a:r>
+          </a:p>
+          <a:p>
+            <a:pPr lvl="0" indent="0" marL="0">
+              <a:buNone/>
+            </a:pPr>
+          </a:p>
+          <a:p>
+            <a:pPr lvl="0" indent="0" marL="0">
+              <a:buNone/>
+            </a:pPr>
+            <a:r>
+              <a:rPr b="1"/>
+              <a:t>Address elephant</a:t>
+            </a:r>
+            <a:r>
+              <a:rPr/>
+              <a:t>: “Some of you might be thinking ‘but students will cheat.’ Remember - it’s not about the tool, it’s about the task design. If AI can complete your assignment alone, the assignment needs redesigning.”</a:t>
+            </a:r>
+          </a:p>
+          <a:p>
+            <a:pPr lvl="0" indent="0" marL="0">
+              <a:buNone/>
+            </a:pPr>
+          </a:p>
+          <a:p>
+            <a:pPr lvl="0" indent="0" marL="0">
+              <a:buNone/>
+            </a:pPr>
+            <a:r>
+              <a:rPr b="1"/>
+              <a:t>Practical takeaway</a:t>
+            </a:r>
+            <a:r>
+              <a:rPr/>
+              <a:t>: “Pick ONE role from this table. Try it next week. Start small.”</a:t>
+            </a:r>
+          </a:p>
+          <a:p>
+            <a:pPr lvl="0" indent="0" marL="0">
+              <a:buNone/>
+            </a:pPr>
+          </a:p>
+          <a:p>
+            <a:pPr lvl="0" indent="0" marL="0">
+              <a:buNone/>
+            </a:pPr>
+            <a:r>
+              <a:rPr/>
+              <a:t>“Let me show you how one colleague did exactly that…”</a:t>
+            </a:r>
+          </a:p>
+          <a:p>
+            <a:pPr lvl="0" indent="0" marL="0">
+              <a:buNone/>
+            </a:pPr>
+          </a:p>
+          <a:p>
+            <a:pPr lvl="0" indent="0" marL="0">
+              <a:buNone/>
+            </a:pPr>
+            <a:r>
+              <a:rPr/>
+              <a:t>“These aren’t replacements - they’re enhancements”</a:t>
             </a:r>
           </a:p>
           <a:p>
@@ -2196,7 +2386,7 @@
           <a:p>
             <a:fld id="{18BDFEC3-8487-43E8-A154-7C12CBC1FFF2}" type="slidenum">
               <a:rPr lang="en-US"/>
-              <a:t>9</a:t>
+              <a:t>11</a:t>
             </a:fld>
             <a:endParaRPr lang="en-US"/>
           </a:p>
@@ -2368,7 +2558,7 @@
           <a:p>
             <a:fld id="{18BDFEC3-8487-43E8-A154-7C12CBC1FFF2}" type="slidenum">
               <a:rPr lang="en-US"/>
-              <a:t>10</a:t>
+              <a:t>12</a:t>
             </a:fld>
             <a:endParaRPr lang="en-US"/>
           </a:p>
@@ -2554,7 +2744,7 @@
           <a:p>
             <a:fld id="{18BDFEC3-8487-43E8-A154-7C12CBC1FFF2}" type="slidenum">
               <a:rPr lang="en-US"/>
-              <a:t>11</a:t>
+              <a:t>13</a:t>
             </a:fld>
             <a:endParaRPr lang="en-US"/>
           </a:p>
@@ -5618,31 +5808,6 @@
       </p:grpSpPr>
       <p:sp>
         <p:nvSpPr>
-          <p:cNvPr id="2" name="Title 1"/>
-          <p:cNvSpPr>
-            <a:spLocks noGrp="1"/>
-          </p:cNvSpPr>
-          <p:nvPr>
-            <p:ph type="title"/>
-          </p:nvPr>
-        </p:nvSpPr>
-        <p:spPr/>
-        <p:txBody>
-          <a:bodyPr/>
-          <a:lstStyle/>
-          <a:p>
-            <a:pPr lvl="0" indent="0" marL="0">
-              <a:buNone/>
-            </a:pPr>
-            <a:r>
-              <a:rPr/>
-              <a:t>Quick Win: 30-Minute Experiment</a:t>
-            </a:r>
-          </a:p>
-        </p:txBody>
-      </p:sp>
-      <p:sp>
-        <p:nvSpPr>
           <p:cNvPr id="3" name="Content Placeholder 2"/>
           <p:cNvSpPr>
             <a:spLocks noGrp="1"/>
@@ -5656,36 +5821,12 @@
           <a:bodyPr/>
           <a:lstStyle/>
           <a:p>
-            <a:pPr lvl="0"/>
-            <a:r>
-              <a:rPr b="1"/>
-              <a:t>What</a:t>
-            </a:r>
-            <a:r>
-              <a:rPr/>
-              <a:t>: Worksheet → HTML in 30 min</a:t>
-            </a:r>
-          </a:p>
-          <a:p>
-            <a:pPr lvl="0"/>
-            <a:r>
-              <a:rPr b="1"/>
-              <a:t>Result</a:t>
-            </a:r>
-            <a:r>
-              <a:rPr/>
-              <a:t>: Upload both verisons, more engagement</a:t>
-            </a:r>
-          </a:p>
-          <a:p>
-            <a:pPr lvl="0"/>
-            <a:r>
-              <a:rPr b="1"/>
-              <a:t>Key Insight</a:t>
-            </a:r>
-            <a:r>
-              <a:rPr/>
-              <a:t>: Options, not replacements</a:t>
+            <a:pPr lvl="0" indent="0" marL="0">
+              <a:buNone/>
+            </a:pPr>
+            <a:r>
+              <a:rPr/>
+              <a:t>Here’s the slide content with presenter notes based on the UNESCO framework:</a:t>
             </a:r>
           </a:p>
         </p:txBody>
@@ -5732,56 +5873,67 @@
             </a:pPr>
             <a:r>
               <a:rPr/>
-              <a:t>Showcase: Curriculum Curator (FLX)</a:t>
-            </a:r>
-          </a:p>
-        </p:txBody>
-      </p:sp>
-      <p:sp>
-        <p:nvSpPr>
-          <p:cNvPr id="3" name="Content Placeholder 2"/>
-          <p:cNvSpPr>
-            <a:spLocks noGrp="1"/>
-          </p:cNvSpPr>
-          <p:nvPr>
-            <p:ph idx="1"/>
-          </p:nvPr>
-        </p:nvSpPr>
-        <p:spPr/>
-        <p:txBody>
-          <a:bodyPr/>
-          <a:lstStyle/>
-          <a:p>
-            <a:pPr lvl="0"/>
-            <a:r>
-              <a:rPr b="1"/>
-              <a:t>Tool</a:t>
-            </a:r>
-            <a:r>
-              <a:rPr/>
-              <a:t>: Import → Restructure → Save 80% time</a:t>
-            </a:r>
-          </a:p>
-          <a:p>
-            <a:pPr lvl="0"/>
-            <a:r>
-              <a:rPr b="1"/>
-              <a:t>Value</a:t>
-            </a:r>
-            <a:r>
-              <a:rPr/>
-              <a:t>: Supports staff, not replaces</a:t>
-            </a:r>
-          </a:p>
-          <a:p>
-            <a:pPr lvl="0"/>
-            <a:r>
-              <a:rPr b="1"/>
-              <a:t>Takeaway</a:t>
-            </a:r>
-            <a:r>
-              <a:rPr/>
-              <a:t>: Efficiency</a:t>
+              <a:t>Moving Forward: AI as Learning Partner</a:t>
+            </a:r>
+          </a:p>
+        </p:txBody>
+      </p:sp>
+      <p:pic>
+        <p:nvPicPr>
+          <p:cNvPr descr="./assets/table-use-og-ai.jpeg" id="0" name="Picture 1"/>
+          <p:cNvPicPr>
+            <a:picLocks noGrp="1" noChangeAspect="1"/>
+          </p:cNvPicPr>
+          <p:nvPr/>
+        </p:nvPicPr>
+        <p:blipFill>
+          <a:blip r:embed="rId3"/>
+          <a:stretch>
+            <a:fillRect/>
+          </a:stretch>
+        </p:blipFill>
+        <p:spPr bwMode="auto">
+          <a:xfrm>
+            <a:off x="3048000" y="1193800"/>
+            <a:ext cx="3048000" cy="2882900"/>
+          </a:xfrm>
+          <a:prstGeom prst="rect">
+            <a:avLst/>
+          </a:prstGeom>
+          <a:noFill/>
+          <a:ln w="9525">
+            <a:noFill/>
+            <a:headEnd/>
+            <a:tailEnd/>
+          </a:ln>
+        </p:spPr>
+      </p:pic>
+      <p:sp>
+        <p:nvSpPr>
+          <p:cNvPr id="1" name="TextBox 3"/>
+          <p:cNvSpPr txBox="1"/>
+          <p:nvPr/>
+        </p:nvSpPr>
+        <p:spPr>
+          <a:xfrm>
+            <a:off x="457200" y="4076700"/>
+            <a:ext cx="8229600" cy="508000"/>
+          </a:xfrm>
+          <a:prstGeom prst="rect">
+            <a:avLst/>
+          </a:prstGeom>
+          <a:noFill/>
+        </p:spPr>
+        <p:txBody>
+          <a:bodyPr/>
+          <a:lstStyle/>
+          <a:p>
+            <a:pPr lvl="0" indent="0" marL="0" algn="ctr">
+              <a:buNone/>
+            </a:pPr>
+            <a:r>
+              <a:rPr/>
+              <a:t>Adapted from UNESCO Quick Start Guide (2023)</a:t>
             </a:r>
           </a:p>
         </p:txBody>
@@ -5828,7 +5980,7 @@
             </a:pPr>
             <a:r>
               <a:rPr/>
-              <a:t>Questions to Guide Your Thinking</a:t>
+              <a:t>Quick Win: 30-Minute Experiment</a:t>
             </a:r>
           </a:p>
         </p:txBody>
@@ -5850,29 +6002,34 @@
           <a:p>
             <a:pPr lvl="0"/>
             <a:r>
-              <a:rPr/>
-              <a:t>Where can AI save time?</a:t>
+              <a:rPr b="1"/>
+              <a:t>What</a:t>
+            </a:r>
+            <a:r>
+              <a:rPr/>
+              <a:t>: Worksheet → HTML in 30 min</a:t>
             </a:r>
           </a:p>
           <a:p>
             <a:pPr lvl="0"/>
             <a:r>
-              <a:rPr/>
-              <a:t>How could students practice discipline-specific skills?</a:t>
+              <a:rPr b="1"/>
+              <a:t>Result</a:t>
+            </a:r>
+            <a:r>
+              <a:rPr/>
+              <a:t>: Upload both verisons, more engagement</a:t>
             </a:r>
           </a:p>
           <a:p>
             <a:pPr lvl="0"/>
             <a:r>
-              <a:rPr/>
-              <a:t>What risks/barriers must we prepare for?</a:t>
-            </a:r>
-          </a:p>
-          <a:p>
-            <a:pPr lvl="0"/>
-            <a:r>
-              <a:rPr/>
-              <a:t>How do we move past AI shame?</a:t>
+              <a:rPr b="1"/>
+              <a:t>Key Insight</a:t>
+            </a:r>
+            <a:r>
+              <a:rPr/>
+              <a:t>: Options, not replacements</a:t>
             </a:r>
           </a:p>
         </p:txBody>
@@ -5909,29 +6066,34 @@
             <p:ph type="title"/>
           </p:nvPr>
         </p:nvSpPr>
-        <p:spPr/>
-        <p:txBody>
-          <a:bodyPr/>
-          <a:lstStyle/>
-          <a:p>
-            <a:pPr lvl="0" indent="0" marL="0">
-              <a:buNone/>
-            </a:pPr>
-            <a:r>
-              <a:rPr/>
-              <a:t>Let’s Discuss</a:t>
-            </a:r>
-          </a:p>
-        </p:txBody>
-      </p:sp>
-      <p:sp>
-        <p:nvSpPr>
-          <p:cNvPr id="3" name="Content Placeholder 2"/>
-          <p:cNvSpPr>
-            <a:spLocks noGrp="1"/>
-          </p:cNvSpPr>
-          <p:nvPr>
-            <p:ph idx="1"/>
+        <p:spPr>
+          <a:xfrm>
+            <a:off x="457201" y="204787"/>
+            <a:ext cx="3008313" cy="871538"/>
+          </a:xfrm>
+        </p:spPr>
+        <p:txBody>
+          <a:bodyPr/>
+          <a:lstStyle/>
+          <a:p>
+            <a:pPr lvl="0" indent="0" marL="0">
+              <a:buNone/>
+            </a:pPr>
+            <a:r>
+              <a:rPr/>
+              <a:t>Showcase: Curriculum Curator (FLX)</a:t>
+            </a:r>
+          </a:p>
+        </p:txBody>
+      </p:sp>
+      <p:sp>
+        <p:nvSpPr>
+          <p:cNvPr id="4" name="Text Placeholder 3"/>
+          <p:cNvSpPr>
+            <a:spLocks noGrp="1"/>
+          </p:cNvSpPr>
+          <p:nvPr>
+            <p:ph idx="2" sz="half" type="body"/>
           </p:nvPr>
         </p:nvSpPr>
         <p:spPr/>
@@ -5941,33 +6103,68 @@
           <a:p>
             <a:pPr lvl="0"/>
             <a:r>
-              <a:rPr/>
-              <a:t>What’s one small thing you could try next week?</a:t>
+              <a:rPr b="1"/>
+              <a:t>Tool</a:t>
+            </a:r>
+            <a:r>
+              <a:rPr/>
+              <a:t>: Import → Restructure → Save 80% time</a:t>
             </a:r>
           </a:p>
           <a:p>
             <a:pPr lvl="0"/>
             <a:r>
-              <a:rPr/>
-              <a:t>What concerns need addressing?</a:t>
+              <a:rPr b="1"/>
+              <a:t>Value</a:t>
+            </a:r>
+            <a:r>
+              <a:rPr/>
+              <a:t>: Supports staff, not replaces</a:t>
             </a:r>
           </a:p>
           <a:p>
             <a:pPr lvl="0"/>
             <a:r>
-              <a:rPr/>
-              <a:t>How might your discipline benefit/challenge?</a:t>
-            </a:r>
-          </a:p>
-          <a:p>
-            <a:pPr lvl="0"/>
-            <a:r>
-              <a:rPr/>
-              <a:t>Have you felt AI shame?</a:t>
-            </a:r>
-          </a:p>
-        </p:txBody>
-      </p:sp>
+              <a:rPr b="1"/>
+              <a:t>Takeaway</a:t>
+            </a:r>
+            <a:r>
+              <a:rPr/>
+              <a:t>: Efficiency</a:t>
+            </a:r>
+          </a:p>
+        </p:txBody>
+      </p:sp>
+      <p:pic>
+        <p:nvPicPr>
+          <p:cNvPr descr="./assets/cur-curator.png" id="0" name="Picture 1"/>
+          <p:cNvPicPr>
+            <a:picLocks noGrp="1" noChangeAspect="1"/>
+          </p:cNvPicPr>
+          <p:nvPr/>
+        </p:nvPicPr>
+        <p:blipFill>
+          <a:blip r:embed="rId3"/>
+          <a:stretch>
+            <a:fillRect/>
+          </a:stretch>
+        </p:blipFill>
+        <p:spPr bwMode="auto">
+          <a:xfrm>
+            <a:off x="3568700" y="533400"/>
+            <a:ext cx="5105400" cy="3721100"/>
+          </a:xfrm>
+          <a:prstGeom prst="rect">
+            <a:avLst/>
+          </a:prstGeom>
+          <a:noFill/>
+          <a:ln w="9525">
+            <a:noFill/>
+            <a:headEnd/>
+            <a:tailEnd/>
+          </a:ln>
+        </p:spPr>
+      </p:pic>
     </p:spTree>
   </p:cSld>
 </p:sld>
@@ -6010,7 +6207,7 @@
             </a:pPr>
             <a:r>
               <a:rPr/>
-              <a:t>Thank You</a:t>
+              <a:t>Questions to Guide Your Thinking</a:t>
             </a:r>
           </a:p>
         </p:txBody>
@@ -6032,26 +6229,29 @@
           <a:p>
             <a:pPr lvl="0"/>
             <a:r>
-              <a:rPr i="1"/>
-              <a:t>“Not about answers — just questions worth asking… together, without shame”</a:t>
+              <a:rPr/>
+              <a:t>Where can AI save time?</a:t>
             </a:r>
           </a:p>
           <a:p>
             <a:pPr lvl="0"/>
             <a:r>
-              <a:rPr b="1"/>
-              <a:t>Next Step</a:t>
-            </a:r>
-            <a:r>
-              <a:rPr/>
-              <a:t>: Try one small experiment, share results</a:t>
+              <a:rPr/>
+              <a:t>How could students practice discipline-specific skills?</a:t>
             </a:r>
           </a:p>
           <a:p>
             <a:pPr lvl="0"/>
             <a:r>
-              <a:rPr i="1"/>
-              <a:t>“The best way to predict the future is to help create it”</a:t>
+              <a:rPr/>
+              <a:t>What risks/barriers must we prepare for?</a:t>
+            </a:r>
+          </a:p>
+          <a:p>
+            <a:pPr lvl="0"/>
+            <a:r>
+              <a:rPr/>
+              <a:t>How do we move past AI shame?</a:t>
             </a:r>
           </a:p>
         </p:txBody>
@@ -6062,6 +6262,185 @@
 </file>
 
 <file path=ppt/slides/slide15.xml><?xml version="1.0" encoding="utf-8"?>
+<p:sld xmlns:a="http://schemas.openxmlformats.org/drawingml/2006/main" xmlns:r="http://schemas.openxmlformats.org/officeDocument/2006/relationships" xmlns:p="http://schemas.openxmlformats.org/presentationml/2006/main">
+  <p:cSld>
+    <p:spTree>
+      <p:nvGrpSpPr>
+        <p:cNvPr id="1" name=""/>
+        <p:cNvGrpSpPr/>
+        <p:nvPr/>
+      </p:nvGrpSpPr>
+      <p:grpSpPr>
+        <a:xfrm>
+          <a:off x="0" y="0"/>
+          <a:ext cx="0" cy="0"/>
+          <a:chOff x="0" y="0"/>
+          <a:chExt cx="0" cy="0"/>
+        </a:xfrm>
+      </p:grpSpPr>
+      <p:sp>
+        <p:nvSpPr>
+          <p:cNvPr id="2" name="Title 1"/>
+          <p:cNvSpPr>
+            <a:spLocks noGrp="1"/>
+          </p:cNvSpPr>
+          <p:nvPr>
+            <p:ph type="title"/>
+          </p:nvPr>
+        </p:nvSpPr>
+        <p:spPr/>
+        <p:txBody>
+          <a:bodyPr/>
+          <a:lstStyle/>
+          <a:p>
+            <a:pPr lvl="0" indent="0" marL="0">
+              <a:buNone/>
+            </a:pPr>
+            <a:r>
+              <a:rPr/>
+              <a:t>Let’s Discuss</a:t>
+            </a:r>
+          </a:p>
+        </p:txBody>
+      </p:sp>
+      <p:sp>
+        <p:nvSpPr>
+          <p:cNvPr id="3" name="Content Placeholder 2"/>
+          <p:cNvSpPr>
+            <a:spLocks noGrp="1"/>
+          </p:cNvSpPr>
+          <p:nvPr>
+            <p:ph idx="1"/>
+          </p:nvPr>
+        </p:nvSpPr>
+        <p:spPr/>
+        <p:txBody>
+          <a:bodyPr/>
+          <a:lstStyle/>
+          <a:p>
+            <a:pPr lvl="0"/>
+            <a:r>
+              <a:rPr/>
+              <a:t>What’s one small thing you could try next week?</a:t>
+            </a:r>
+          </a:p>
+          <a:p>
+            <a:pPr lvl="0"/>
+            <a:r>
+              <a:rPr/>
+              <a:t>What concerns need addressing?</a:t>
+            </a:r>
+          </a:p>
+          <a:p>
+            <a:pPr lvl="0"/>
+            <a:r>
+              <a:rPr/>
+              <a:t>How might your discipline benefit/challenge?</a:t>
+            </a:r>
+          </a:p>
+          <a:p>
+            <a:pPr lvl="0"/>
+            <a:r>
+              <a:rPr/>
+              <a:t>Have you felt AI shame?</a:t>
+            </a:r>
+          </a:p>
+        </p:txBody>
+      </p:sp>
+    </p:spTree>
+  </p:cSld>
+</p:sld>
+</file>
+
+<file path=ppt/slides/slide16.xml><?xml version="1.0" encoding="utf-8"?>
+<p:sld xmlns:a="http://schemas.openxmlformats.org/drawingml/2006/main" xmlns:r="http://schemas.openxmlformats.org/officeDocument/2006/relationships" xmlns:p="http://schemas.openxmlformats.org/presentationml/2006/main">
+  <p:cSld>
+    <p:spTree>
+      <p:nvGrpSpPr>
+        <p:cNvPr id="1" name=""/>
+        <p:cNvGrpSpPr/>
+        <p:nvPr/>
+      </p:nvGrpSpPr>
+      <p:grpSpPr>
+        <a:xfrm>
+          <a:off x="0" y="0"/>
+          <a:ext cx="0" cy="0"/>
+          <a:chOff x="0" y="0"/>
+          <a:chExt cx="0" cy="0"/>
+        </a:xfrm>
+      </p:grpSpPr>
+      <p:sp>
+        <p:nvSpPr>
+          <p:cNvPr id="2" name="Title 1"/>
+          <p:cNvSpPr>
+            <a:spLocks noGrp="1"/>
+          </p:cNvSpPr>
+          <p:nvPr>
+            <p:ph type="title"/>
+          </p:nvPr>
+        </p:nvSpPr>
+        <p:spPr/>
+        <p:txBody>
+          <a:bodyPr/>
+          <a:lstStyle/>
+          <a:p>
+            <a:pPr lvl="0" indent="0" marL="0">
+              <a:buNone/>
+            </a:pPr>
+            <a:r>
+              <a:rPr/>
+              <a:t>Thank You</a:t>
+            </a:r>
+          </a:p>
+        </p:txBody>
+      </p:sp>
+      <p:sp>
+        <p:nvSpPr>
+          <p:cNvPr id="3" name="Content Placeholder 2"/>
+          <p:cNvSpPr>
+            <a:spLocks noGrp="1"/>
+          </p:cNvSpPr>
+          <p:nvPr>
+            <p:ph idx="1"/>
+          </p:nvPr>
+        </p:nvSpPr>
+        <p:spPr/>
+        <p:txBody>
+          <a:bodyPr/>
+          <a:lstStyle/>
+          <a:p>
+            <a:pPr lvl="0"/>
+            <a:r>
+              <a:rPr i="1"/>
+              <a:t>“Not about answers — just questions worth asking… together, without shame”</a:t>
+            </a:r>
+          </a:p>
+          <a:p>
+            <a:pPr lvl="0"/>
+            <a:r>
+              <a:rPr b="1"/>
+              <a:t>Next Step</a:t>
+            </a:r>
+            <a:r>
+              <a:rPr/>
+              <a:t>: Try one small experiment, share results</a:t>
+            </a:r>
+          </a:p>
+          <a:p>
+            <a:pPr lvl="0"/>
+            <a:r>
+              <a:rPr i="1"/>
+              <a:t>“The best way to predict the future is to help create it”</a:t>
+            </a:r>
+          </a:p>
+        </p:txBody>
+      </p:sp>
+    </p:spTree>
+  </p:cSld>
+</p:sld>
+</file>
+
+<file path=ppt/slides/slide17.xml><?xml version="1.0" encoding="utf-8"?>
 <p:sld xmlns:a="http://schemas.openxmlformats.org/drawingml/2006/main" xmlns:r="http://schemas.openxmlformats.org/officeDocument/2006/relationships" xmlns:p="http://schemas.openxmlformats.org/presentationml/2006/main">
   <p:cSld>
     <p:spTree>
@@ -6317,31 +6696,6 @@
       </p:grpSpPr>
       <p:sp>
         <p:nvSpPr>
-          <p:cNvPr id="2" name="Title 1"/>
-          <p:cNvSpPr>
-            <a:spLocks noGrp="1"/>
-          </p:cNvSpPr>
-          <p:nvPr>
-            <p:ph type="title"/>
-          </p:nvPr>
-        </p:nvSpPr>
-        <p:spPr/>
-        <p:txBody>
-          <a:bodyPr/>
-          <a:lstStyle/>
-          <a:p>
-            <a:pPr lvl="0" indent="0" marL="0">
-              <a:buNone/>
-            </a:pPr>
-            <a:r>
-              <a:rPr/>
-              <a:t>Framing the Conversation</a:t>
-            </a:r>
-          </a:p>
-        </p:txBody>
-      </p:sp>
-      <p:sp>
-        <p:nvSpPr>
           <p:cNvPr id="3" name="Content Placeholder 2"/>
           <p:cNvSpPr>
             <a:spLocks noGrp="1"/>
@@ -6354,35 +6708,6 @@
         <p:txBody>
           <a:bodyPr/>
           <a:lstStyle/>
-          <a:p>
-            <a:pPr lvl="0"/>
-            <a:r>
-              <a:rPr b="1"/>
-              <a:t>Reality Check</a:t>
-            </a:r>
-            <a:r>
-              <a:rPr/>
-              <a:t>: AI already in workflows; disciplines differ; no one-size-fits-all</a:t>
-            </a:r>
-          </a:p>
-          <a:p>
-            <a:pPr lvl="0"/>
-            <a:r>
-              <a:rPr b="1"/>
-              <a:t>Today’s Goal</a:t>
-            </a:r>
-            <a:r>
-              <a:rPr/>
-              <a:t>: Share challenges &amp; spark reflection</a:t>
-            </a:r>
-          </a:p>
-          <a:p>
-            <a:pPr lvl="0"/>
-            <a:r>
-              <a:rPr i="1"/>
-              <a:t>“Not about answers — just questions worth asking”</a:t>
-            </a:r>
-          </a:p>
           <a:p>
             <a:pPr lvl="0" indent="0" marL="0">
               <a:buNone/>
@@ -6436,7 +6761,7 @@
             </a:pPr>
             <a:r>
               <a:rPr/>
-              <a:t>Over-Trust: The “Fountain of Knowledge” Problem</a:t>
+              <a:t>Today: 15 Minutes to Shift Perspective</a:t>
             </a:r>
           </a:p>
         </p:txBody>
@@ -6456,37 +6781,38 @@
           <a:bodyPr/>
           <a:lstStyle/>
           <a:p>
-            <a:pPr lvl="0"/>
+            <a:pPr lvl="0" indent="0" marL="0">
+              <a:buNone/>
+            </a:pPr>
             <a:r>
               <a:rPr b="1"/>
-              <a:t>Challenge</a:t>
-            </a:r>
-            <a:r>
-              <a:rPr/>
-              <a:t>: Students over-trust AI</a:t>
-            </a:r>
-          </a:p>
-          <a:p>
-            <a:pPr lvl="0"/>
+              <a:t>We’ll explore:</a:t>
+            </a:r>
+            <a:r>
+              <a:rPr/>
+              <a:t> - Four challenges we’re all facing - One hidden barrier we don’t discuss - Three pathways forward - Your questions and experiences</a:t>
+            </a:r>
+          </a:p>
+          <a:p>
+            <a:pPr lvl="0" indent="0" marL="0">
+              <a:buNone/>
+            </a:pPr>
             <a:r>
               <a:rPr b="1"/>
-              <a:t>Impact</a:t>
-            </a:r>
-            <a:r>
-              <a:rPr/>
-              <a:t>: Weakens critical thinking</a:t>
-            </a:r>
-            <a:br/>
-          </a:p>
-          <a:p>
-            <a:pPr lvl="0"/>
-            <a:r>
-              <a:rPr b="1"/>
-              <a:t>Response</a:t>
-            </a:r>
-            <a:r>
-              <a:rPr/>
-              <a:t>: Error-spotting, critique, reward questioning</a:t>
+              <a:t>Not covering:</a:t>
+            </a:r>
+            <a:r>
+              <a:rPr/>
+              <a:t> - How AI works - Which tools to use - Detection strategies - Policy development</a:t>
+            </a:r>
+          </a:p>
+          <a:p>
+            <a:pPr lvl="0" indent="0" marL="0">
+              <a:buNone/>
+            </a:pPr>
+            <a:r>
+              <a:rPr i="1"/>
+              <a:t>“Not about answers — just questions worth asking”</a:t>
             </a:r>
           </a:p>
         </p:txBody>
@@ -6497,6 +6823,103 @@
 </file>
 
 <file path=ppt/slides/slide5.xml><?xml version="1.0" encoding="utf-8"?>
+<p:sld xmlns:a="http://schemas.openxmlformats.org/drawingml/2006/main" xmlns:r="http://schemas.openxmlformats.org/officeDocument/2006/relationships" xmlns:p="http://schemas.openxmlformats.org/presentationml/2006/main">
+  <p:cSld>
+    <p:spTree>
+      <p:nvGrpSpPr>
+        <p:cNvPr id="1" name=""/>
+        <p:cNvGrpSpPr/>
+        <p:nvPr/>
+      </p:nvGrpSpPr>
+      <p:grpSpPr>
+        <a:xfrm>
+          <a:off x="0" y="0"/>
+          <a:ext cx="0" cy="0"/>
+          <a:chOff x="0" y="0"/>
+          <a:chExt cx="0" cy="0"/>
+        </a:xfrm>
+      </p:grpSpPr>
+      <p:sp>
+        <p:nvSpPr>
+          <p:cNvPr id="2" name="Title 1"/>
+          <p:cNvSpPr>
+            <a:spLocks noGrp="1"/>
+          </p:cNvSpPr>
+          <p:nvPr>
+            <p:ph type="title"/>
+          </p:nvPr>
+        </p:nvSpPr>
+        <p:spPr/>
+        <p:txBody>
+          <a:bodyPr/>
+          <a:lstStyle/>
+          <a:p>
+            <a:pPr lvl="0" indent="0" marL="0">
+              <a:buNone/>
+            </a:pPr>
+            <a:r>
+              <a:rPr/>
+              <a:t>Over-Trust: The “Fountain of Knowledge” Problem</a:t>
+            </a:r>
+          </a:p>
+        </p:txBody>
+      </p:sp>
+      <p:sp>
+        <p:nvSpPr>
+          <p:cNvPr id="3" name="Content Placeholder 2"/>
+          <p:cNvSpPr>
+            <a:spLocks noGrp="1"/>
+          </p:cNvSpPr>
+          <p:nvPr>
+            <p:ph idx="1"/>
+          </p:nvPr>
+        </p:nvSpPr>
+        <p:spPr/>
+        <p:txBody>
+          <a:bodyPr/>
+          <a:lstStyle/>
+          <a:p>
+            <a:pPr lvl="0"/>
+            <a:r>
+              <a:rPr b="1"/>
+              <a:t>Challenge</a:t>
+            </a:r>
+            <a:r>
+              <a:rPr/>
+              <a:t>: Students over-trust AI</a:t>
+            </a:r>
+          </a:p>
+          <a:p>
+            <a:pPr lvl="0"/>
+            <a:r>
+              <a:rPr b="1"/>
+              <a:t>Impact</a:t>
+            </a:r>
+            <a:r>
+              <a:rPr/>
+              <a:t>: Weakens critical thinking</a:t>
+            </a:r>
+            <a:br/>
+          </a:p>
+          <a:p>
+            <a:pPr lvl="0"/>
+            <a:r>
+              <a:rPr b="1"/>
+              <a:t>Response</a:t>
+            </a:r>
+            <a:r>
+              <a:rPr/>
+              <a:t>: Error-spotting, critique, reward questioning</a:t>
+            </a:r>
+          </a:p>
+        </p:txBody>
+      </p:sp>
+    </p:spTree>
+  </p:cSld>
+</p:sld>
+</file>
+
+<file path=ppt/slides/slide6.xml><?xml version="1.0" encoding="utf-8"?>
 <p:sld xmlns:a="http://schemas.openxmlformats.org/drawingml/2006/main" xmlns:r="http://schemas.openxmlformats.org/officeDocument/2006/relationships" xmlns:p="http://schemas.openxmlformats.org/presentationml/2006/main">
   <p:cSld>
     <p:spTree>
@@ -6652,105 +7075,6 @@
 </p:sld>
 </file>
 
-<file path=ppt/slides/slide6.xml><?xml version="1.0" encoding="utf-8"?>
-<p:sld xmlns:a="http://schemas.openxmlformats.org/drawingml/2006/main" xmlns:r="http://schemas.openxmlformats.org/officeDocument/2006/relationships" xmlns:p="http://schemas.openxmlformats.org/presentationml/2006/main">
-  <p:cSld>
-    <p:spTree>
-      <p:nvGrpSpPr>
-        <p:cNvPr id="1" name=""/>
-        <p:cNvGrpSpPr/>
-        <p:nvPr/>
-      </p:nvGrpSpPr>
-      <p:grpSpPr>
-        <a:xfrm>
-          <a:off x="0" y="0"/>
-          <a:ext cx="0" cy="0"/>
-          <a:chOff x="0" y="0"/>
-          <a:chExt cx="0" cy="0"/>
-        </a:xfrm>
-      </p:grpSpPr>
-      <p:sp>
-        <p:nvSpPr>
-          <p:cNvPr id="2" name="Title 1"/>
-          <p:cNvSpPr>
-            <a:spLocks noGrp="1"/>
-          </p:cNvSpPr>
-          <p:nvPr>
-            <p:ph type="title"/>
-          </p:nvPr>
-        </p:nvSpPr>
-        <p:spPr/>
-        <p:txBody>
-          <a:bodyPr/>
-          <a:lstStyle/>
-          <a:p>
-            <a:pPr lvl="0" indent="0" marL="0">
-              <a:buNone/>
-            </a:pPr>
-            <a:r>
-              <a:rPr/>
-              <a:t>Misplaced Blame: It’s Not the Tool</a:t>
-            </a:r>
-          </a:p>
-        </p:txBody>
-      </p:sp>
-      <p:sp>
-        <p:nvSpPr>
-          <p:cNvPr id="3" name="Content Placeholder 2"/>
-          <p:cNvSpPr>
-            <a:spLocks noGrp="1"/>
-          </p:cNvSpPr>
-          <p:nvPr>
-            <p:ph idx="1"/>
-          </p:nvPr>
-        </p:nvSpPr>
-        <p:spPr/>
-        <p:txBody>
-          <a:bodyPr/>
-          <a:lstStyle/>
-          <a:p>
-            <a:pPr lvl="0"/>
-            <a:r>
-              <a:rPr b="1"/>
-              <a:t>Challenge</a:t>
-            </a:r>
-            <a:r>
-              <a:rPr/>
-              <a:t>: Staff blame AI for integrity issues</a:t>
-            </a:r>
-          </a:p>
-          <a:p>
-            <a:pPr lvl="0"/>
-            <a:r>
-              <a:rPr b="1"/>
-              <a:t>Response</a:t>
-            </a:r>
-            <a:r>
-              <a:rPr/>
-              <a:t>: Adapt assessment, don’t ban</a:t>
-            </a:r>
-          </a:p>
-          <a:p>
-            <a:pPr lvl="1"/>
-            <a:r>
-              <a:rPr/>
-              <a:t>Authentic, Personalised, Reflective</a:t>
-            </a:r>
-          </a:p>
-          <a:p>
-            <a:pPr lvl="0"/>
-            <a:r>
-              <a:rPr i="1"/>
-              <a:t>Past tools changed assessment, AI will too</a:t>
-            </a:r>
-          </a:p>
-        </p:txBody>
-      </p:sp>
-    </p:spTree>
-  </p:cSld>
-</p:sld>
-</file>
-
 <file path=ppt/slides/slide7.xml><?xml version="1.0" encoding="utf-8"?>
 <p:sld xmlns:a="http://schemas.openxmlformats.org/drawingml/2006/main" xmlns:r="http://schemas.openxmlformats.org/officeDocument/2006/relationships" xmlns:p="http://schemas.openxmlformats.org/presentationml/2006/main">
   <p:cSld>
@@ -6788,7 +7112,7 @@
             </a:pPr>
             <a:r>
               <a:rPr/>
-              <a:t>Fear of AI: The Root of Resistance</a:t>
+              <a:t>Misplaced Blame: It’s Not the Tool</a:t>
             </a:r>
           </a:p>
         </p:txBody>
@@ -6811,54 +7135,36 @@
             <a:pPr lvl="0"/>
             <a:r>
               <a:rPr b="1"/>
-              <a:t>The Fear</a:t>
-            </a:r>
-            <a:r>
-              <a:rPr/>
-              <a:t>: “AI will replace me” | “I’ll become obsolete” | “My expertise won’t matter”</a:t>
+              <a:t>Challenge</a:t>
+            </a:r>
+            <a:r>
+              <a:rPr/>
+              <a:t>: Staff blame AI for integrity issues</a:t>
             </a:r>
           </a:p>
           <a:p>
             <a:pPr lvl="0"/>
             <a:r>
               <a:rPr b="1"/>
-              <a:t>The Reality</a:t>
-            </a:r>
-            <a:r>
-              <a:rPr/>
-              <a:t>: Every new tool sparked fear</a:t>
+              <a:t>Response</a:t>
+            </a:r>
+            <a:r>
+              <a:rPr/>
+              <a:t>: Adapt assessment, don’t ban</a:t>
             </a:r>
           </a:p>
           <a:p>
             <a:pPr lvl="1"/>
             <a:r>
               <a:rPr/>
-              <a:t>Printing press → scribes worried</a:t>
-            </a:r>
-          </a:p>
-          <a:p>
-            <a:pPr lvl="1"/>
-            <a:r>
-              <a:rPr/>
-              <a:t>Calculators → mathematicians concerned</a:t>
-            </a:r>
-          </a:p>
-          <a:p>
-            <a:pPr lvl="1"/>
-            <a:r>
-              <a:rPr/>
-              <a:t>Internet → everyone panicked</a:t>
+              <a:t>Authentic, Personalised, Reflective</a:t>
             </a:r>
           </a:p>
           <a:p>
             <a:pPr lvl="0"/>
             <a:r>
-              <a:rPr b="1"/>
-              <a:t>The Pattern</a:t>
-            </a:r>
-            <a:r>
-              <a:rPr/>
-              <a:t>: Those who adapted thrived</a:t>
+              <a:rPr i="1"/>
+              <a:t>Past tools changed assessment, AI will too</a:t>
             </a:r>
           </a:p>
         </p:txBody>
@@ -6905,7 +7211,7 @@
             </a:pPr>
             <a:r>
               <a:rPr/>
-              <a:t>AI Shame: The Hidden Barrier</a:t>
+              <a:t>Fear of AI: The Root of Resistance</a:t>
             </a:r>
           </a:p>
         </p:txBody>
@@ -6928,33 +7234,54 @@
             <a:pPr lvl="0"/>
             <a:r>
               <a:rPr b="1"/>
-              <a:t>Challenge</a:t>
-            </a:r>
-            <a:r>
-              <a:rPr/>
-              <a:t>: Students &amp; staff feel guilt/cheating</a:t>
+              <a:t>The Fear</a:t>
+            </a:r>
+            <a:r>
+              <a:rPr/>
+              <a:t>: “AI will replace me” | “I’ll become obsolete” | “My expertise won’t matter”</a:t>
             </a:r>
           </a:p>
           <a:p>
             <a:pPr lvl="0"/>
             <a:r>
               <a:rPr b="1"/>
-              <a:t>Impact</a:t>
-            </a:r>
-            <a:r>
-              <a:rPr/>
-              <a:t>: Underground use, stress, lost learning</a:t>
+              <a:t>The Reality</a:t>
+            </a:r>
+            <a:r>
+              <a:rPr/>
+              <a:t>: Every new tool sparked fear</a:t>
+            </a:r>
+          </a:p>
+          <a:p>
+            <a:pPr lvl="1"/>
+            <a:r>
+              <a:rPr/>
+              <a:t>Printing press → scribes worried</a:t>
+            </a:r>
+          </a:p>
+          <a:p>
+            <a:pPr lvl="1"/>
+            <a:r>
+              <a:rPr/>
+              <a:t>Calculators → mathematicians concerned</a:t>
+            </a:r>
+          </a:p>
+          <a:p>
+            <a:pPr lvl="1"/>
+            <a:r>
+              <a:rPr/>
+              <a:t>Internet → everyone panicked</a:t>
             </a:r>
           </a:p>
           <a:p>
             <a:pPr lvl="0"/>
             <a:r>
               <a:rPr b="1"/>
-              <a:t>Response</a:t>
-            </a:r>
-            <a:r>
-              <a:rPr/>
-              <a:t>: Normalise, Teach process, Share examples</a:t>
+              <a:t>The Pattern</a:t>
+            </a:r>
+            <a:r>
+              <a:rPr/>
+              <a:t>: Those who adapted thrived</a:t>
             </a:r>
           </a:p>
         </p:txBody>
@@ -7001,7 +7328,7 @@
             </a:pPr>
             <a:r>
               <a:rPr/>
-              <a:t>Three Practical Pathways</a:t>
+              <a:t>AI Shame: The Hidden Barrier</a:t>
             </a:r>
           </a:p>
         </p:txBody>
@@ -7021,42 +7348,36 @@
           <a:bodyPr/>
           <a:lstStyle/>
           <a:p>
-            <a:pPr lvl="0" indent="-342900" marL="342900">
-              <a:buAutoNum type="arabicPeriod"/>
-            </a:pPr>
+            <a:pPr lvl="0"/>
             <a:r>
               <a:rPr b="1"/>
-              <a:t>Learning Assistant</a:t>
-            </a:r>
-            <a:r>
-              <a:rPr/>
-              <a:t>: Brainstorm, counter-arguments, debugging</a:t>
-            </a:r>
-          </a:p>
-          <a:p>
-            <a:pPr lvl="0" indent="-342900" marL="342900">
-              <a:buAutoNum type="arabicPeriod"/>
-            </a:pPr>
+              <a:t>Challenge</a:t>
+            </a:r>
+            <a:r>
+              <a:rPr/>
+              <a:t>: Students &amp; staff feel guilt/cheating</a:t>
+            </a:r>
+          </a:p>
+          <a:p>
+            <a:pPr lvl="0"/>
             <a:r>
               <a:rPr b="1"/>
-              <a:t>Teaching Partner</a:t>
-            </a:r>
-            <a:r>
-              <a:rPr/>
-              <a:t>: Practice problems, draft feedback, adaptive tasks</a:t>
-            </a:r>
-          </a:p>
-          <a:p>
-            <a:pPr lvl="0" indent="-342900" marL="342900">
-              <a:buAutoNum type="arabicPeriod"/>
-            </a:pPr>
+              <a:t>Impact</a:t>
+            </a:r>
+            <a:r>
+              <a:rPr/>
+              <a:t>: Underground use, stress, lost learning</a:t>
+            </a:r>
+          </a:p>
+          <a:p>
+            <a:pPr lvl="0"/>
             <a:r>
               <a:rPr b="1"/>
-              <a:t>Discipline Tool</a:t>
-            </a:r>
-            <a:r>
-              <a:rPr/>
-              <a:t>: Engineering, Business, Health, Arts</a:t>
+              <a:t>Response</a:t>
+            </a:r>
+            <a:r>
+              <a:rPr/>
+              <a:t>: Normalise, Teach process, Share examples</a:t>
             </a:r>
           </a:p>
         </p:txBody>

--- a/cl-ai-in-the-curriculum.pptx
+++ b/cl-ai-in-the-curriculum.pptx
@@ -5,7 +5,7 @@
     <p:sldMasterId id="2147483648" r:id="rId1"/>
   </p:sldMasterIdLst>
   <p:notesMasterIdLst>
-    <p:notesMasterId r:id="rId19"/>
+    <p:notesMasterId r:id="rId20"/>
   </p:notesMasterIdLst>
   <p:sldIdLst>
     <p:sldId id="256" r:id="rId2"/>
@@ -25,6 +25,7 @@
     <p:sldId id="270" r:id="rId16"/>
     <p:sldId id="271" r:id="rId17"/>
     <p:sldId id="272" r:id="rId18"/>
+    <p:sldId id="273" r:id="rId19"/>
   </p:sldIdLst>
   <p:sldSz cx="9144000" cy="5143500" type="screen16x9"/>
   <p:notesSz cx="6858000" cy="9144000"/>
@@ -848,7 +849,7 @@
           <a:p>
             <a:fld id="{18BDFEC3-8487-43E8-A154-7C12CBC1FFF2}" type="slidenum">
               <a:rPr lang="en-US"/>
-              <a:t>14</a:t>
+              <a:t>15</a:t>
             </a:fld>
             <a:endParaRPr lang="en-US"/>
           </a:p>
@@ -990,7 +991,7 @@
           <a:p>
             <a:fld id="{18BDFEC3-8487-43E8-A154-7C12CBC1FFF2}" type="slidenum">
               <a:rPr lang="en-US"/>
-              <a:t>15</a:t>
+              <a:t>16</a:t>
             </a:fld>
             <a:endParaRPr lang="en-US"/>
           </a:p>
@@ -1130,7 +1131,7 @@
           <a:p>
             <a:fld id="{18BDFEC3-8487-43E8-A154-7C12CBC1FFF2}" type="slidenum">
               <a:rPr lang="en-US"/>
-              <a:t>16</a:t>
+              <a:t>17</a:t>
             </a:fld>
             <a:endParaRPr lang="en-US"/>
           </a:p>
@@ -2386,7 +2387,7 @@
           <a:p>
             <a:fld id="{18BDFEC3-8487-43E8-A154-7C12CBC1FFF2}" type="slidenum">
               <a:rPr lang="en-US"/>
-              <a:t>11</a:t>
+              <a:t>12</a:t>
             </a:fld>
             <a:endParaRPr lang="en-US"/>
           </a:p>
@@ -2558,7 +2559,7 @@
           <a:p>
             <a:fld id="{18BDFEC3-8487-43E8-A154-7C12CBC1FFF2}" type="slidenum">
               <a:rPr lang="en-US"/>
-              <a:t>12</a:t>
+              <a:t>13</a:t>
             </a:fld>
             <a:endParaRPr lang="en-US"/>
           </a:p>
@@ -2744,7 +2745,7 @@
           <a:p>
             <a:fld id="{18BDFEC3-8487-43E8-A154-7C12CBC1FFF2}" type="slidenum">
               <a:rPr lang="en-US"/>
-              <a:t>13</a:t>
+              <a:t>14</a:t>
             </a:fld>
             <a:endParaRPr lang="en-US"/>
           </a:p>
@@ -5863,81 +5864,600 @@
             <p:ph type="title"/>
           </p:nvPr>
         </p:nvSpPr>
-        <p:spPr/>
-        <p:txBody>
-          <a:bodyPr/>
-          <a:lstStyle/>
-          <a:p>
-            <a:pPr lvl="0" indent="0" marL="0">
-              <a:buNone/>
-            </a:pPr>
-            <a:r>
-              <a:rPr/>
-              <a:t>Moving Forward: AI as Learning Partner</a:t>
-            </a:r>
-          </a:p>
-        </p:txBody>
-      </p:sp>
-      <p:pic>
-        <p:nvPicPr>
-          <p:cNvPr descr="./assets/table-use-og-ai.jpeg" id="0" name="Picture 1"/>
-          <p:cNvPicPr>
-            <a:picLocks noGrp="1" noChangeAspect="1"/>
-          </p:cNvPicPr>
-          <p:nvPr/>
-        </p:nvPicPr>
-        <p:blipFill>
-          <a:blip r:embed="rId3"/>
-          <a:stretch>
-            <a:fillRect/>
-          </a:stretch>
-        </p:blipFill>
-        <p:spPr bwMode="auto">
-          <a:xfrm>
-            <a:off x="3048000" y="1193800"/>
-            <a:ext cx="3048000" cy="2882900"/>
-          </a:xfrm>
-          <a:prstGeom prst="rect">
-            <a:avLst/>
-          </a:prstGeom>
-          <a:noFill/>
-          <a:ln w="9525">
-            <a:noFill/>
-            <a:headEnd/>
-            <a:tailEnd/>
-          </a:ln>
-        </p:spPr>
-      </p:pic>
-      <p:sp>
-        <p:nvSpPr>
-          <p:cNvPr id="1" name="TextBox 3"/>
-          <p:cNvSpPr txBox="1"/>
-          <p:nvPr/>
-        </p:nvSpPr>
         <p:spPr>
           <a:xfrm>
-            <a:off x="457200" y="4076700"/>
-            <a:ext cx="8229600" cy="508000"/>
+            <a:off x="457201" y="204787"/>
+            <a:ext cx="3008313" cy="871538"/>
           </a:xfrm>
-          <a:prstGeom prst="rect">
-            <a:avLst/>
-          </a:prstGeom>
-          <a:noFill/>
         </p:spPr>
         <p:txBody>
           <a:bodyPr/>
           <a:lstStyle/>
           <a:p>
-            <a:pPr lvl="0" indent="0" marL="0" algn="ctr">
-              <a:buNone/>
-            </a:pPr>
-            <a:r>
-              <a:rPr/>
-              <a:t>Adapted from UNESCO Quick Start Guide (2023)</a:t>
-            </a:r>
-          </a:p>
-        </p:txBody>
-      </p:sp>
+            <a:pPr lvl="0" indent="0" marL="0">
+              <a:buNone/>
+            </a:pPr>
+            <a:r>
+              <a:rPr/>
+              <a:t>Moving Forward: AI as Learning Partner</a:t>
+            </a:r>
+          </a:p>
+        </p:txBody>
+      </p:sp>
+      <p:sp>
+        <p:nvSpPr>
+          <p:cNvPr id="4" name="Text Placeholder 3"/>
+          <p:cNvSpPr>
+            <a:spLocks noGrp="1"/>
+          </p:cNvSpPr>
+          <p:nvPr>
+            <p:ph idx="2" sz="half" type="body"/>
+          </p:nvPr>
+        </p:nvSpPr>
+        <p:spPr/>
+        <p:txBody>
+          <a:bodyPr/>
+          <a:lstStyle/>
+          <a:p>
+            <a:pPr lvl="0" indent="0" marL="0">
+              <a:buNone/>
+            </a:pPr>
+            <a:r>
+              <a:rPr/>
+              <a:t>Adapted from UNESCO Report (2023)</a:t>
+            </a:r>
+          </a:p>
+        </p:txBody>
+      </p:sp>
+      <p:graphicFrame>
+        <p:nvGraphicFramePr>
+          <p:cNvPr id="6" name="Content Placeholder 5"/>
+          <p:cNvGraphicFramePr>
+            <a:graphicFrameLocks noGrp="1"/>
+          </p:cNvGraphicFramePr>
+          <p:nvPr>
+            <p:ph idx="1"/>
+          </p:nvPr>
+        </p:nvGraphicFramePr>
+        <p:xfrm>
+          <a:off x="3568700" y="203200"/>
+          <a:ext cx="5105400" cy="4381500"/>
+        </p:xfrm>
+        <a:graphic>
+          <a:graphicData uri="http://schemas.openxmlformats.org/drawingml/2006/table">
+            <a:tbl>
+              <a:tblPr firstRow="1" bandRow="1">
+                <a:tableStyleId>{5C22544A-7EE6-4342-B048-85BDC9FD1C3A}</a:tableStyleId>
+              </a:tblPr>
+              <a:tblGrid>
+                <a:gridCol w="1701800"/>
+                <a:gridCol w="1701800"/>
+                <a:gridCol w="1701800"/>
+              </a:tblGrid>
+              <a:tr h="0">
+                <a:tc>
+                  <a:txBody>
+                    <a:bodyPr/>
+                    <a:lstStyle/>
+                    <a:p>
+                      <a:pPr lvl="0" indent="0" marL="0">
+                        <a:buNone/>
+                      </a:pPr>
+                      <a:r>
+                        <a:rPr b="1"/>
+                        <a:t>Role</a:t>
+                      </a:r>
+                    </a:p>
+                  </a:txBody>
+                  <a:tcPr/>
+                </a:tc>
+                <a:tc>
+                  <a:txBody>
+                    <a:bodyPr/>
+                    <a:lstStyle/>
+                    <a:p>
+                      <a:pPr lvl="0" indent="0" marL="0">
+                        <a:buNone/>
+                      </a:pPr>
+                      <a:r>
+                        <a:rPr b="1"/>
+                        <a:t>Description</a:t>
+                      </a:r>
+                    </a:p>
+                  </a:txBody>
+                  <a:tcPr/>
+                </a:tc>
+                <a:tc>
+                  <a:txBody>
+                    <a:bodyPr/>
+                    <a:lstStyle/>
+                    <a:p>
+                      <a:pPr lvl="0" indent="0" marL="0">
+                        <a:buNone/>
+                      </a:pPr>
+                      <a:r>
+                        <a:rPr b="1"/>
+                        <a:t>Example of Implementation</a:t>
+                      </a:r>
+                    </a:p>
+                  </a:txBody>
+                  <a:tcPr/>
+                </a:tc>
+              </a:tr>
+              <a:tr h="0">
+                <a:tc>
+                  <a:txBody>
+                    <a:bodyPr/>
+                    <a:lstStyle/>
+                    <a:p>
+                      <a:pPr lvl="0" indent="0" marL="0">
+                        <a:buNone/>
+                      </a:pPr>
+                      <a:r>
+                        <a:rPr b="1"/>
+                        <a:t>Possibility engine</a:t>
+                      </a:r>
+                    </a:p>
+                  </a:txBody>
+                </a:tc>
+                <a:tc>
+                  <a:txBody>
+                    <a:bodyPr/>
+                    <a:lstStyle/>
+                    <a:p>
+                      <a:pPr lvl="0" indent="0" marL="0">
+                        <a:buNone/>
+                      </a:pPr>
+                      <a:r>
+                        <a:rPr/>
+                        <a:t>AI generates alternative ways of expressing an idea</a:t>
+                      </a:r>
+                    </a:p>
+                  </a:txBody>
+                </a:tc>
+                <a:tc>
+                  <a:txBody>
+                    <a:bodyPr/>
+                    <a:lstStyle/>
+                    <a:p>
+                      <a:pPr lvl="0" indent="0" marL="0">
+                        <a:buNone/>
+                      </a:pPr>
+                      <a:r>
+                        <a:rPr/>
+                        <a:t>Students write queries in ChatGPT and use the Regenerate response function to examine alternative responses.</a:t>
+                      </a:r>
+                    </a:p>
+                  </a:txBody>
+                </a:tc>
+              </a:tr>
+              <a:tr h="0">
+                <a:tc>
+                  <a:txBody>
+                    <a:bodyPr/>
+                    <a:lstStyle/>
+                    <a:p>
+                      <a:pPr lvl="0" indent="0" marL="0">
+                        <a:buNone/>
+                      </a:pPr>
+                      <a:r>
+                        <a:rPr b="1"/>
+                        <a:t>Socratic opponent</a:t>
+                      </a:r>
+                    </a:p>
+                  </a:txBody>
+                </a:tc>
+                <a:tc>
+                  <a:txBody>
+                    <a:bodyPr/>
+                    <a:lstStyle/>
+                    <a:p>
+                      <a:pPr lvl="0" indent="0" marL="0">
+                        <a:buNone/>
+                      </a:pPr>
+                      <a:r>
+                        <a:rPr/>
+                        <a:t>AI acts as an opponent to develop and argument</a:t>
+                      </a:r>
+                    </a:p>
+                  </a:txBody>
+                </a:tc>
+                <a:tc>
+                  <a:txBody>
+                    <a:bodyPr/>
+                    <a:lstStyle/>
+                    <a:p>
+                      <a:pPr lvl="0" indent="0" marL="0">
+                        <a:buNone/>
+                      </a:pPr>
+                      <a:r>
+                        <a:rPr/>
+                        <a:t>Students enter prompts into ChatGPT following the structure of a conversation or debate. Teachers can ask students to use ChatGPT to prepare for discussions.</a:t>
+                      </a:r>
+                    </a:p>
+                  </a:txBody>
+                </a:tc>
+              </a:tr>
+              <a:tr h="0">
+                <a:tc>
+                  <a:txBody>
+                    <a:bodyPr/>
+                    <a:lstStyle/>
+                    <a:p>
+                      <a:pPr lvl="0" indent="0" marL="0">
+                        <a:buNone/>
+                      </a:pPr>
+                      <a:r>
+                        <a:rPr b="1"/>
+                        <a:t>Collaboration coach</a:t>
+                      </a:r>
+                    </a:p>
+                  </a:txBody>
+                </a:tc>
+                <a:tc>
+                  <a:txBody>
+                    <a:bodyPr/>
+                    <a:lstStyle/>
+                    <a:p>
+                      <a:pPr lvl="0" indent="0" marL="0">
+                        <a:buNone/>
+                      </a:pPr>
+                      <a:r>
+                        <a:rPr/>
+                        <a:t>AI helps groups to research and solve problems together</a:t>
+                      </a:r>
+                    </a:p>
+                  </a:txBody>
+                </a:tc>
+                <a:tc>
+                  <a:txBody>
+                    <a:bodyPr/>
+                    <a:lstStyle/>
+                    <a:p>
+                      <a:pPr lvl="0" indent="0" marL="0">
+                        <a:buNone/>
+                      </a:pPr>
+                      <a:r>
+                        <a:rPr/>
+                        <a:t>Working in groups, students use ChatGPT to find out information to complete tasks and assignments.</a:t>
+                      </a:r>
+                    </a:p>
+                  </a:txBody>
+                </a:tc>
+              </a:tr>
+              <a:tr h="0">
+                <a:tc>
+                  <a:txBody>
+                    <a:bodyPr/>
+                    <a:lstStyle/>
+                    <a:p>
+                      <a:pPr lvl="0" indent="0" marL="0">
+                        <a:buNone/>
+                      </a:pPr>
+                      <a:r>
+                        <a:rPr b="1"/>
+                        <a:t>Guide on the side</a:t>
+                      </a:r>
+                    </a:p>
+                  </a:txBody>
+                </a:tc>
+                <a:tc>
+                  <a:txBody>
+                    <a:bodyPr/>
+                    <a:lstStyle/>
+                    <a:p>
+                      <a:pPr lvl="0" indent="0" marL="0">
+                        <a:buNone/>
+                      </a:pPr>
+                      <a:r>
+                        <a:rPr/>
+                        <a:t>AI acts as a guide to navigate physical and conceptual spaces</a:t>
+                      </a:r>
+                    </a:p>
+                  </a:txBody>
+                </a:tc>
+                <a:tc>
+                  <a:txBody>
+                    <a:bodyPr/>
+                    <a:lstStyle/>
+                    <a:p>
+                      <a:pPr lvl="0" indent="0" marL="0">
+                        <a:buNone/>
+                      </a:pPr>
+                      <a:r>
+                        <a:rPr/>
+                        <a:t>Teachers use ChatGPT to generate content for classes/courses (e.g., discussion questions) and advice on how to support students in learning specific concepts.</a:t>
+                      </a:r>
+                    </a:p>
+                  </a:txBody>
+                </a:tc>
+              </a:tr>
+              <a:tr h="0">
+                <a:tc>
+                  <a:txBody>
+                    <a:bodyPr/>
+                    <a:lstStyle/>
+                    <a:p>
+                      <a:pPr lvl="0" indent="0" marL="0">
+                        <a:buNone/>
+                      </a:pPr>
+                      <a:r>
+                        <a:rPr b="1"/>
+                        <a:t>Personal tutor</a:t>
+                      </a:r>
+                    </a:p>
+                  </a:txBody>
+                </a:tc>
+                <a:tc>
+                  <a:txBody>
+                    <a:bodyPr/>
+                    <a:lstStyle/>
+                    <a:p>
+                      <a:pPr lvl="0" indent="0" marL="0">
+                        <a:buNone/>
+                      </a:pPr>
+                      <a:r>
+                        <a:rPr/>
+                        <a:t>AI tutors each student and gives immediate feedback on progress</a:t>
+                      </a:r>
+                    </a:p>
+                  </a:txBody>
+                </a:tc>
+                <a:tc>
+                  <a:txBody>
+                    <a:bodyPr/>
+                    <a:lstStyle/>
+                    <a:p>
+                      <a:pPr lvl="0" indent="0" marL="0">
+                        <a:buNone/>
+                      </a:pPr>
+                      <a:r>
+                        <a:rPr/>
+                        <a:t>ChatGPT provides personalized feedback to students based on information provided by students or teachers (e.g., test scores).</a:t>
+                      </a:r>
+                    </a:p>
+                  </a:txBody>
+                </a:tc>
+              </a:tr>
+              <a:tr h="0">
+                <a:tc>
+                  <a:txBody>
+                    <a:bodyPr/>
+                    <a:lstStyle/>
+                    <a:p>
+                      <a:pPr lvl="0" indent="0" marL="0">
+                        <a:buNone/>
+                      </a:pPr>
+                      <a:r>
+                        <a:rPr b="1"/>
+                        <a:t>Co-designer</a:t>
+                      </a:r>
+                    </a:p>
+                  </a:txBody>
+                </a:tc>
+                <a:tc>
+                  <a:txBody>
+                    <a:bodyPr/>
+                    <a:lstStyle/>
+                    <a:p>
+                      <a:pPr lvl="0" indent="0" marL="0">
+                        <a:buNone/>
+                      </a:pPr>
+                      <a:r>
+                        <a:rPr/>
+                        <a:t>AI assists throughout the design process</a:t>
+                      </a:r>
+                    </a:p>
+                  </a:txBody>
+                </a:tc>
+                <a:tc>
+                  <a:txBody>
+                    <a:bodyPr/>
+                    <a:lstStyle/>
+                    <a:p>
+                      <a:pPr lvl="0" indent="0" marL="0">
+                        <a:buNone/>
+                      </a:pPr>
+                      <a:r>
+                        <a:rPr/>
+                        <a:t>Teachers ask ChatGPT for ideas about designing or updating a curriculum (e.g., rubrics for assessment) and/or focus on specific goals (e.g., how to make the curriculum more accessible).</a:t>
+                      </a:r>
+                    </a:p>
+                  </a:txBody>
+                </a:tc>
+              </a:tr>
+              <a:tr h="0">
+                <a:tc>
+                  <a:txBody>
+                    <a:bodyPr/>
+                    <a:lstStyle/>
+                    <a:p>
+                      <a:pPr lvl="0" indent="0" marL="0">
+                        <a:buNone/>
+                      </a:pPr>
+                      <a:r>
+                        <a:rPr b="1"/>
+                        <a:t>Exploratorium</a:t>
+                      </a:r>
+                    </a:p>
+                  </a:txBody>
+                </a:tc>
+                <a:tc>
+                  <a:txBody>
+                    <a:bodyPr/>
+                    <a:lstStyle/>
+                    <a:p>
+                      <a:pPr lvl="0" indent="0" marL="0">
+                        <a:buNone/>
+                      </a:pPr>
+                      <a:r>
+                        <a:rPr/>
+                        <a:t>AI provides tools to play with, explore and interpret data</a:t>
+                      </a:r>
+                    </a:p>
+                  </a:txBody>
+                </a:tc>
+                <a:tc>
+                  <a:txBody>
+                    <a:bodyPr/>
+                    <a:lstStyle/>
+                    <a:p>
+                      <a:pPr lvl="0" indent="0" marL="0">
+                        <a:buNone/>
+                      </a:pPr>
+                      <a:r>
+                        <a:rPr/>
+                        <a:t>Teachers provide basic information to students who write different queries in ChatGPT to find out more. ChatGPT can be used to support language learning.</a:t>
+                      </a:r>
+                    </a:p>
+                  </a:txBody>
+                </a:tc>
+              </a:tr>
+              <a:tr h="0">
+                <a:tc>
+                  <a:txBody>
+                    <a:bodyPr/>
+                    <a:lstStyle/>
+                    <a:p>
+                      <a:pPr lvl="0" indent="0" marL="0">
+                        <a:buNone/>
+                      </a:pPr>
+                      <a:r>
+                        <a:rPr b="1"/>
+                        <a:t>Study buddy</a:t>
+                      </a:r>
+                    </a:p>
+                  </a:txBody>
+                </a:tc>
+                <a:tc>
+                  <a:txBody>
+                    <a:bodyPr/>
+                    <a:lstStyle/>
+                    <a:p>
+                      <a:pPr lvl="0" indent="0" marL="0">
+                        <a:buNone/>
+                      </a:pPr>
+                      <a:r>
+                        <a:rPr/>
+                        <a:t>AI helps the student reflect on learning material</a:t>
+                      </a:r>
+                    </a:p>
+                  </a:txBody>
+                </a:tc>
+                <a:tc>
+                  <a:txBody>
+                    <a:bodyPr/>
+                    <a:lstStyle/>
+                    <a:p>
+                      <a:pPr lvl="0" indent="0" marL="0">
+                        <a:buNone/>
+                      </a:pPr>
+                      <a:r>
+                        <a:rPr/>
+                        <a:t>Students explain their current level of understanding to ChatGPT and ask for ways to help them study the material. ChatGPT could also be used to help students prepare for other tasks (e.g., job interviews).</a:t>
+                      </a:r>
+                    </a:p>
+                  </a:txBody>
+                </a:tc>
+              </a:tr>
+              <a:tr h="0">
+                <a:tc>
+                  <a:txBody>
+                    <a:bodyPr/>
+                    <a:lstStyle/>
+                    <a:p>
+                      <a:pPr lvl="0" indent="0" marL="0">
+                        <a:buNone/>
+                      </a:pPr>
+                      <a:r>
+                        <a:rPr b="1"/>
+                        <a:t>Motivator</a:t>
+                      </a:r>
+                    </a:p>
+                  </a:txBody>
+                </a:tc>
+                <a:tc>
+                  <a:txBody>
+                    <a:bodyPr/>
+                    <a:lstStyle/>
+                    <a:p>
+                      <a:pPr lvl="0" indent="0" marL="0">
+                        <a:buNone/>
+                      </a:pPr>
+                      <a:r>
+                        <a:rPr/>
+                        <a:t>AI offers games and challenges to extend learning</a:t>
+                      </a:r>
+                    </a:p>
+                  </a:txBody>
+                </a:tc>
+                <a:tc>
+                  <a:txBody>
+                    <a:bodyPr/>
+                    <a:lstStyle/>
+                    <a:p>
+                      <a:pPr lvl="0" indent="0" marL="0">
+                        <a:buNone/>
+                      </a:pPr>
+                      <a:r>
+                        <a:rPr/>
+                        <a:t>Teachers or students ask ChatGPT for ideas about how to extend students’ learning after providing a summary of the current level of students’ knowledge (e.g., quizzes, exercises).</a:t>
+                      </a:r>
+                    </a:p>
+                  </a:txBody>
+                </a:tc>
+              </a:tr>
+              <a:tr h="0">
+                <a:tc>
+                  <a:txBody>
+                    <a:bodyPr/>
+                    <a:lstStyle/>
+                    <a:p>
+                      <a:pPr lvl="0" indent="0" marL="0">
+                        <a:buNone/>
+                      </a:pPr>
+                      <a:r>
+                        <a:rPr b="1"/>
+                        <a:t>Dynamic assessor</a:t>
+                      </a:r>
+                    </a:p>
+                  </a:txBody>
+                </a:tc>
+                <a:tc>
+                  <a:txBody>
+                    <a:bodyPr/>
+                    <a:lstStyle/>
+                    <a:p>
+                      <a:pPr lvl="0" indent="0" marL="0">
+                        <a:buNone/>
+                      </a:pPr>
+                      <a:r>
+                        <a:rPr/>
+                        <a:t>AI provides educators with a profile of each student’s current knowledge</a:t>
+                      </a:r>
+                    </a:p>
+                  </a:txBody>
+                </a:tc>
+                <a:tc>
+                  <a:txBody>
+                    <a:bodyPr/>
+                    <a:lstStyle/>
+                    <a:p>
+                      <a:pPr lvl="0" indent="0" marL="0">
+                        <a:buNone/>
+                      </a:pPr>
+                      <a:r>
+                        <a:rPr/>
+                        <a:t>Students interact with ChatGPT in a tutorial-type dialogue and then ask ChatGPT to produce a summary of their current state of knowledge. Students can also ask ChatGPT for dynamic assessments.</a:t>
+                      </a:r>
+                    </a:p>
+                  </a:txBody>
+                </a:tc>
+              </a:tr>
+            </a:tbl>
+          </a:graphicData>
+        </a:graphic>
+      </p:graphicFrame>
     </p:spTree>
   </p:cSld>
 </p:sld>
@@ -5962,31 +6482,6 @@
       </p:grpSpPr>
       <p:sp>
         <p:nvSpPr>
-          <p:cNvPr id="2" name="Title 1"/>
-          <p:cNvSpPr>
-            <a:spLocks noGrp="1"/>
-          </p:cNvSpPr>
-          <p:nvPr>
-            <p:ph type="title"/>
-          </p:nvPr>
-        </p:nvSpPr>
-        <p:spPr/>
-        <p:txBody>
-          <a:bodyPr/>
-          <a:lstStyle/>
-          <a:p>
-            <a:pPr lvl="0" indent="0" marL="0">
-              <a:buNone/>
-            </a:pPr>
-            <a:r>
-              <a:rPr/>
-              <a:t>Quick Win: 30-Minute Experiment</a:t>
-            </a:r>
-          </a:p>
-        </p:txBody>
-      </p:sp>
-      <p:sp>
-        <p:nvSpPr>
           <p:cNvPr id="3" name="Content Placeholder 2"/>
           <p:cNvSpPr>
             <a:spLocks noGrp="1"/>
@@ -6000,36 +6495,12 @@
           <a:bodyPr/>
           <a:lstStyle/>
           <a:p>
-            <a:pPr lvl="0"/>
-            <a:r>
-              <a:rPr b="1"/>
-              <a:t>What</a:t>
-            </a:r>
-            <a:r>
-              <a:rPr/>
-              <a:t>: Worksheet → HTML in 30 min</a:t>
-            </a:r>
-          </a:p>
-          <a:p>
-            <a:pPr lvl="0"/>
-            <a:r>
-              <a:rPr b="1"/>
-              <a:t>Result</a:t>
-            </a:r>
-            <a:r>
-              <a:rPr/>
-              <a:t>: Upload both verisons, more engagement</a:t>
-            </a:r>
-          </a:p>
-          <a:p>
-            <a:pPr lvl="0"/>
-            <a:r>
-              <a:rPr b="1"/>
-              <a:t>Key Insight</a:t>
-            </a:r>
-            <a:r>
-              <a:rPr/>
-              <a:t>: Options, not replacements</a:t>
+            <a:pPr lvl="0" indent="0" marL="0">
+              <a:buNone/>
+            </a:pPr>
+            <a:r>
+              <a:rPr/>
+              <a:t>This markdown table will render cleanly in your presentation materials and is easier to edit if needed.</a:t>
             </a:r>
           </a:p>
         </p:txBody>
@@ -6040,6 +6511,102 @@
 </file>
 
 <file path=ppt/slides/slide13.xml><?xml version="1.0" encoding="utf-8"?>
+<p:sld xmlns:a="http://schemas.openxmlformats.org/drawingml/2006/main" xmlns:r="http://schemas.openxmlformats.org/officeDocument/2006/relationships" xmlns:p="http://schemas.openxmlformats.org/presentationml/2006/main">
+  <p:cSld>
+    <p:spTree>
+      <p:nvGrpSpPr>
+        <p:cNvPr id="1" name=""/>
+        <p:cNvGrpSpPr/>
+        <p:nvPr/>
+      </p:nvGrpSpPr>
+      <p:grpSpPr>
+        <a:xfrm>
+          <a:off x="0" y="0"/>
+          <a:ext cx="0" cy="0"/>
+          <a:chOff x="0" y="0"/>
+          <a:chExt cx="0" cy="0"/>
+        </a:xfrm>
+      </p:grpSpPr>
+      <p:sp>
+        <p:nvSpPr>
+          <p:cNvPr id="2" name="Title 1"/>
+          <p:cNvSpPr>
+            <a:spLocks noGrp="1"/>
+          </p:cNvSpPr>
+          <p:nvPr>
+            <p:ph type="title"/>
+          </p:nvPr>
+        </p:nvSpPr>
+        <p:spPr/>
+        <p:txBody>
+          <a:bodyPr/>
+          <a:lstStyle/>
+          <a:p>
+            <a:pPr lvl="0" indent="0" marL="0">
+              <a:buNone/>
+            </a:pPr>
+            <a:r>
+              <a:rPr/>
+              <a:t>Quick Win: 30-Minute Experiment</a:t>
+            </a:r>
+          </a:p>
+        </p:txBody>
+      </p:sp>
+      <p:sp>
+        <p:nvSpPr>
+          <p:cNvPr id="3" name="Content Placeholder 2"/>
+          <p:cNvSpPr>
+            <a:spLocks noGrp="1"/>
+          </p:cNvSpPr>
+          <p:nvPr>
+            <p:ph idx="1"/>
+          </p:nvPr>
+        </p:nvSpPr>
+        <p:spPr/>
+        <p:txBody>
+          <a:bodyPr/>
+          <a:lstStyle/>
+          <a:p>
+            <a:pPr lvl="0"/>
+            <a:r>
+              <a:rPr b="1"/>
+              <a:t>What</a:t>
+            </a:r>
+            <a:r>
+              <a:rPr/>
+              <a:t>: Worksheet → HTML in 30 min</a:t>
+            </a:r>
+          </a:p>
+          <a:p>
+            <a:pPr lvl="0"/>
+            <a:r>
+              <a:rPr b="1"/>
+              <a:t>Result</a:t>
+            </a:r>
+            <a:r>
+              <a:rPr/>
+              <a:t>: Upload both verisons, more engagement</a:t>
+            </a:r>
+          </a:p>
+          <a:p>
+            <a:pPr lvl="0"/>
+            <a:r>
+              <a:rPr b="1"/>
+              <a:t>Key Insight</a:t>
+            </a:r>
+            <a:r>
+              <a:rPr/>
+              <a:t>: Options, not replacements</a:t>
+            </a:r>
+          </a:p>
+        </p:txBody>
+      </p:sp>
+    </p:spTree>
+  </p:cSld>
+</p:sld>
+</file>
+
+<file path=ppt/slides/slide14.xml><?xml version="1.0" encoding="utf-8"?>
 <p:sld xmlns:a="http://schemas.openxmlformats.org/drawingml/2006/main" xmlns:r="http://schemas.openxmlformats.org/officeDocument/2006/relationships" xmlns:p="http://schemas.openxmlformats.org/presentationml/2006/main">
   <p:cSld>
     <p:spTree>
@@ -6170,97 +6737,6 @@
 </p:sld>
 </file>
 
-<file path=ppt/slides/slide14.xml><?xml version="1.0" encoding="utf-8"?>
-<p:sld xmlns:a="http://schemas.openxmlformats.org/drawingml/2006/main" xmlns:r="http://schemas.openxmlformats.org/officeDocument/2006/relationships" xmlns:p="http://schemas.openxmlformats.org/presentationml/2006/main">
-  <p:cSld>
-    <p:spTree>
-      <p:nvGrpSpPr>
-        <p:cNvPr id="1" name=""/>
-        <p:cNvGrpSpPr/>
-        <p:nvPr/>
-      </p:nvGrpSpPr>
-      <p:grpSpPr>
-        <a:xfrm>
-          <a:off x="0" y="0"/>
-          <a:ext cx="0" cy="0"/>
-          <a:chOff x="0" y="0"/>
-          <a:chExt cx="0" cy="0"/>
-        </a:xfrm>
-      </p:grpSpPr>
-      <p:sp>
-        <p:nvSpPr>
-          <p:cNvPr id="2" name="Title 1"/>
-          <p:cNvSpPr>
-            <a:spLocks noGrp="1"/>
-          </p:cNvSpPr>
-          <p:nvPr>
-            <p:ph type="title"/>
-          </p:nvPr>
-        </p:nvSpPr>
-        <p:spPr/>
-        <p:txBody>
-          <a:bodyPr/>
-          <a:lstStyle/>
-          <a:p>
-            <a:pPr lvl="0" indent="0" marL="0">
-              <a:buNone/>
-            </a:pPr>
-            <a:r>
-              <a:rPr/>
-              <a:t>Questions to Guide Your Thinking</a:t>
-            </a:r>
-          </a:p>
-        </p:txBody>
-      </p:sp>
-      <p:sp>
-        <p:nvSpPr>
-          <p:cNvPr id="3" name="Content Placeholder 2"/>
-          <p:cNvSpPr>
-            <a:spLocks noGrp="1"/>
-          </p:cNvSpPr>
-          <p:nvPr>
-            <p:ph idx="1"/>
-          </p:nvPr>
-        </p:nvSpPr>
-        <p:spPr/>
-        <p:txBody>
-          <a:bodyPr/>
-          <a:lstStyle/>
-          <a:p>
-            <a:pPr lvl="0"/>
-            <a:r>
-              <a:rPr/>
-              <a:t>Where can AI save time?</a:t>
-            </a:r>
-          </a:p>
-          <a:p>
-            <a:pPr lvl="0"/>
-            <a:r>
-              <a:rPr/>
-              <a:t>How could students practice discipline-specific skills?</a:t>
-            </a:r>
-          </a:p>
-          <a:p>
-            <a:pPr lvl="0"/>
-            <a:r>
-              <a:rPr/>
-              <a:t>What risks/barriers must we prepare for?</a:t>
-            </a:r>
-          </a:p>
-          <a:p>
-            <a:pPr lvl="0"/>
-            <a:r>
-              <a:rPr/>
-              <a:t>How do we move past AI shame?</a:t>
-            </a:r>
-          </a:p>
-        </p:txBody>
-      </p:sp>
-    </p:spTree>
-  </p:cSld>
-</p:sld>
-</file>
-
 <file path=ppt/slides/slide15.xml><?xml version="1.0" encoding="utf-8"?>
 <p:sld xmlns:a="http://schemas.openxmlformats.org/drawingml/2006/main" xmlns:r="http://schemas.openxmlformats.org/officeDocument/2006/relationships" xmlns:p="http://schemas.openxmlformats.org/presentationml/2006/main">
   <p:cSld>
@@ -6298,7 +6774,7 @@
             </a:pPr>
             <a:r>
               <a:rPr/>
-              <a:t>Let’s Discuss</a:t>
+              <a:t>Questions to Guide Your Thinking</a:t>
             </a:r>
           </a:p>
         </p:txBody>
@@ -6321,28 +6797,28 @@
             <a:pPr lvl="0"/>
             <a:r>
               <a:rPr/>
-              <a:t>What’s one small thing you could try next week?</a:t>
+              <a:t>Where can AI save time?</a:t>
             </a:r>
           </a:p>
           <a:p>
             <a:pPr lvl="0"/>
             <a:r>
               <a:rPr/>
-              <a:t>What concerns need addressing?</a:t>
+              <a:t>How could students practice discipline-specific skills?</a:t>
             </a:r>
           </a:p>
           <a:p>
             <a:pPr lvl="0"/>
             <a:r>
               <a:rPr/>
-              <a:t>How might your discipline benefit/challenge?</a:t>
+              <a:t>What risks/barriers must we prepare for?</a:t>
             </a:r>
           </a:p>
           <a:p>
             <a:pPr lvl="0"/>
             <a:r>
               <a:rPr/>
-              <a:t>Have you felt AI shame?</a:t>
+              <a:t>How do we move past AI shame?</a:t>
             </a:r>
           </a:p>
         </p:txBody>
@@ -6389,7 +6865,7 @@
             </a:pPr>
             <a:r>
               <a:rPr/>
-              <a:t>Thank You</a:t>
+              <a:t>Let’s Discuss</a:t>
             </a:r>
           </a:p>
         </p:txBody>
@@ -6411,26 +6887,29 @@
           <a:p>
             <a:pPr lvl="0"/>
             <a:r>
-              <a:rPr i="1"/>
-              <a:t>“Not about answers — just questions worth asking… together, without shame”</a:t>
+              <a:rPr/>
+              <a:t>What’s one small thing you could try next week?</a:t>
             </a:r>
           </a:p>
           <a:p>
             <a:pPr lvl="0"/>
             <a:r>
-              <a:rPr b="1"/>
-              <a:t>Next Step</a:t>
-            </a:r>
-            <a:r>
-              <a:rPr/>
-              <a:t>: Try one small experiment, share results</a:t>
+              <a:rPr/>
+              <a:t>What concerns need addressing?</a:t>
             </a:r>
           </a:p>
           <a:p>
             <a:pPr lvl="0"/>
             <a:r>
-              <a:rPr i="1"/>
-              <a:t>“The best way to predict the future is to help create it”</a:t>
+              <a:rPr/>
+              <a:t>How might your discipline benefit/challenge?</a:t>
+            </a:r>
+          </a:p>
+          <a:p>
+            <a:pPr lvl="0"/>
+            <a:r>
+              <a:rPr/>
+              <a:t>Have you felt AI shame?</a:t>
             </a:r>
           </a:p>
         </p:txBody>
@@ -6441,6 +6920,94 @@
 </file>
 
 <file path=ppt/slides/slide17.xml><?xml version="1.0" encoding="utf-8"?>
+<p:sld xmlns:a="http://schemas.openxmlformats.org/drawingml/2006/main" xmlns:r="http://schemas.openxmlformats.org/officeDocument/2006/relationships" xmlns:p="http://schemas.openxmlformats.org/presentationml/2006/main">
+  <p:cSld>
+    <p:spTree>
+      <p:nvGrpSpPr>
+        <p:cNvPr id="1" name=""/>
+        <p:cNvGrpSpPr/>
+        <p:nvPr/>
+      </p:nvGrpSpPr>
+      <p:grpSpPr>
+        <a:xfrm>
+          <a:off x="0" y="0"/>
+          <a:ext cx="0" cy="0"/>
+          <a:chOff x="0" y="0"/>
+          <a:chExt cx="0" cy="0"/>
+        </a:xfrm>
+      </p:grpSpPr>
+      <p:sp>
+        <p:nvSpPr>
+          <p:cNvPr id="2" name="Title 1"/>
+          <p:cNvSpPr>
+            <a:spLocks noGrp="1"/>
+          </p:cNvSpPr>
+          <p:nvPr>
+            <p:ph type="title"/>
+          </p:nvPr>
+        </p:nvSpPr>
+        <p:spPr/>
+        <p:txBody>
+          <a:bodyPr/>
+          <a:lstStyle/>
+          <a:p>
+            <a:pPr lvl="0" indent="0" marL="0">
+              <a:buNone/>
+            </a:pPr>
+            <a:r>
+              <a:rPr/>
+              <a:t>Thank You</a:t>
+            </a:r>
+          </a:p>
+        </p:txBody>
+      </p:sp>
+      <p:sp>
+        <p:nvSpPr>
+          <p:cNvPr id="3" name="Content Placeholder 2"/>
+          <p:cNvSpPr>
+            <a:spLocks noGrp="1"/>
+          </p:cNvSpPr>
+          <p:nvPr>
+            <p:ph idx="1"/>
+          </p:nvPr>
+        </p:nvSpPr>
+        <p:spPr/>
+        <p:txBody>
+          <a:bodyPr/>
+          <a:lstStyle/>
+          <a:p>
+            <a:pPr lvl="0"/>
+            <a:r>
+              <a:rPr i="1"/>
+              <a:t>“Not about answers — just questions worth asking… together, without shame”</a:t>
+            </a:r>
+          </a:p>
+          <a:p>
+            <a:pPr lvl="0"/>
+            <a:r>
+              <a:rPr b="1"/>
+              <a:t>Next Step</a:t>
+            </a:r>
+            <a:r>
+              <a:rPr/>
+              <a:t>: Try one small experiment, share results</a:t>
+            </a:r>
+          </a:p>
+          <a:p>
+            <a:pPr lvl="0"/>
+            <a:r>
+              <a:rPr i="1"/>
+              <a:t>“The best way to predict the future is to help create it”</a:t>
+            </a:r>
+          </a:p>
+        </p:txBody>
+      </p:sp>
+    </p:spTree>
+  </p:cSld>
+</p:sld>
+</file>
+
+<file path=ppt/slides/slide18.xml><?xml version="1.0" encoding="utf-8"?>
 <p:sld xmlns:a="http://schemas.openxmlformats.org/drawingml/2006/main" xmlns:r="http://schemas.openxmlformats.org/officeDocument/2006/relationships" xmlns:p="http://schemas.openxmlformats.org/presentationml/2006/main">
   <p:cSld>
     <p:spTree>
@@ -6761,7 +7328,7 @@
             </a:pPr>
             <a:r>
               <a:rPr/>
-              <a:t>Today: 15 Minutes to Shift Perspective</a:t>
+              <a:t>Today: 15 Minutes</a:t>
             </a:r>
           </a:p>
         </p:txBody>

--- a/cl-ai-in-the-curriculum.pptx
+++ b/cl-ai-in-the-curriculum.pptx
@@ -5,7 +5,7 @@
     <p:sldMasterId id="2147483648" r:id="rId1"/>
   </p:sldMasterIdLst>
   <p:notesMasterIdLst>
-    <p:notesMasterId r:id="rId20"/>
+    <p:notesMasterId r:id="rId18"/>
   </p:notesMasterIdLst>
   <p:sldIdLst>
     <p:sldId id="256" r:id="rId2"/>
@@ -24,8 +24,6 @@
     <p:sldId id="269" r:id="rId15"/>
     <p:sldId id="270" r:id="rId16"/>
     <p:sldId id="271" r:id="rId17"/>
-    <p:sldId id="272" r:id="rId18"/>
-    <p:sldId id="273" r:id="rId19"/>
   </p:sldIdLst>
   <p:sldSz cx="9144000" cy="5143500" type="screen16x9"/>
   <p:notesSz cx="6858000" cy="9144000"/>
@@ -849,7 +847,7 @@
           <a:p>
             <a:fld id="{18BDFEC3-8487-43E8-A154-7C12CBC1FFF2}" type="slidenum">
               <a:rPr lang="en-US"/>
-              <a:t>15</a:t>
+              <a:t>13</a:t>
             </a:fld>
             <a:endParaRPr lang="en-US"/>
           </a:p>
@@ -991,7 +989,7 @@
           <a:p>
             <a:fld id="{18BDFEC3-8487-43E8-A154-7C12CBC1FFF2}" type="slidenum">
               <a:rPr lang="en-US"/>
-              <a:t>16</a:t>
+              <a:t>14</a:t>
             </a:fld>
             <a:endParaRPr lang="en-US"/>
           </a:p>
@@ -1131,7 +1129,7 @@
           <a:p>
             <a:fld id="{18BDFEC3-8487-43E8-A154-7C12CBC1FFF2}" type="slidenum">
               <a:rPr lang="en-US"/>
-              <a:t>17</a:t>
+              <a:t>15</a:t>
             </a:fld>
             <a:endParaRPr lang="en-US"/>
           </a:p>
@@ -2387,7 +2385,7 @@
           <a:p>
             <a:fld id="{18BDFEC3-8487-43E8-A154-7C12CBC1FFF2}" type="slidenum">
               <a:rPr lang="en-US"/>
-              <a:t>12</a:t>
+              <a:t>10</a:t>
             </a:fld>
             <a:endParaRPr lang="en-US"/>
           </a:p>
@@ -2559,7 +2557,7 @@
           <a:p>
             <a:fld id="{18BDFEC3-8487-43E8-A154-7C12CBC1FFF2}" type="slidenum">
               <a:rPr lang="en-US"/>
-              <a:t>13</a:t>
+              <a:t>11</a:t>
             </a:fld>
             <a:endParaRPr lang="en-US"/>
           </a:p>
@@ -2745,7 +2743,7 @@
           <a:p>
             <a:fld id="{18BDFEC3-8487-43E8-A154-7C12CBC1FFF2}" type="slidenum">
               <a:rPr lang="en-US"/>
-              <a:t>14</a:t>
+              <a:t>12</a:t>
             </a:fld>
             <a:endParaRPr lang="en-US"/>
           </a:p>
@@ -5809,53 +5807,6 @@
       </p:grpSpPr>
       <p:sp>
         <p:nvSpPr>
-          <p:cNvPr id="3" name="Content Placeholder 2"/>
-          <p:cNvSpPr>
-            <a:spLocks noGrp="1"/>
-          </p:cNvSpPr>
-          <p:nvPr>
-            <p:ph idx="1"/>
-          </p:nvPr>
-        </p:nvSpPr>
-        <p:spPr/>
-        <p:txBody>
-          <a:bodyPr/>
-          <a:lstStyle/>
-          <a:p>
-            <a:pPr lvl="0" indent="0" marL="0">
-              <a:buNone/>
-            </a:pPr>
-            <a:r>
-              <a:rPr/>
-              <a:t>Here’s the slide content with presenter notes based on the UNESCO framework:</a:t>
-            </a:r>
-          </a:p>
-        </p:txBody>
-      </p:sp>
-    </p:spTree>
-  </p:cSld>
-</p:sld>
-</file>
-
-<file path=ppt/slides/slide11.xml><?xml version="1.0" encoding="utf-8"?>
-<p:sld xmlns:a="http://schemas.openxmlformats.org/drawingml/2006/main" xmlns:r="http://schemas.openxmlformats.org/officeDocument/2006/relationships" xmlns:p="http://schemas.openxmlformats.org/presentationml/2006/main">
-  <p:cSld>
-    <p:spTree>
-      <p:nvGrpSpPr>
-        <p:cNvPr id="1" name=""/>
-        <p:cNvGrpSpPr/>
-        <p:nvPr/>
-      </p:nvGrpSpPr>
-      <p:grpSpPr>
-        <a:xfrm>
-          <a:off x="0" y="0"/>
-          <a:ext cx="0" cy="0"/>
-          <a:chOff x="0" y="0"/>
-          <a:chExt cx="0" cy="0"/>
-        </a:xfrm>
-      </p:grpSpPr>
-      <p:sp>
-        <p:nvSpPr>
           <p:cNvPr id="2" name="Title 1"/>
           <p:cNvSpPr>
             <a:spLocks noGrp="1"/>
@@ -5864,12 +5815,7 @@
             <p:ph type="title"/>
           </p:nvPr>
         </p:nvSpPr>
-        <p:spPr>
-          <a:xfrm>
-            <a:off x="457201" y="204787"/>
-            <a:ext cx="3008313" cy="871538"/>
-          </a:xfrm>
-        </p:spPr>
+        <p:spPr/>
         <p:txBody>
           <a:bodyPr/>
           <a:lstStyle/>
@@ -5880,31 +5826,6 @@
             <a:r>
               <a:rPr/>
               <a:t>Moving Forward: AI as Learning Partner</a:t>
-            </a:r>
-          </a:p>
-        </p:txBody>
-      </p:sp>
-      <p:sp>
-        <p:nvSpPr>
-          <p:cNvPr id="4" name="Text Placeholder 3"/>
-          <p:cNvSpPr>
-            <a:spLocks noGrp="1"/>
-          </p:cNvSpPr>
-          <p:nvPr>
-            <p:ph idx="2" sz="half" type="body"/>
-          </p:nvPr>
-        </p:nvSpPr>
-        <p:spPr/>
-        <p:txBody>
-          <a:bodyPr/>
-          <a:lstStyle/>
-          <a:p>
-            <a:pPr lvl="0" indent="0" marL="0">
-              <a:buNone/>
-            </a:pPr>
-            <a:r>
-              <a:rPr/>
-              <a:t>Adapted from UNESCO Report (2023)</a:t>
             </a:r>
           </a:p>
         </p:txBody>
@@ -5920,8 +5841,8 @@
           </p:nvPr>
         </p:nvGraphicFramePr>
         <p:xfrm>
-          <a:off x="3568700" y="203200"/>
-          <a:ext cx="5105400" cy="4381500"/>
+          <a:off x="457200" y="1193800"/>
+          <a:ext cx="8229600" cy="3390900"/>
         </p:xfrm>
         <a:graphic>
           <a:graphicData uri="http://schemas.openxmlformats.org/drawingml/2006/table">
@@ -5930,9 +5851,9 @@
                 <a:tableStyleId>{5C22544A-7EE6-4342-B048-85BDC9FD1C3A}</a:tableStyleId>
               </a:tblPr>
               <a:tblGrid>
-                <a:gridCol w="1701800"/>
-                <a:gridCol w="1701800"/>
-                <a:gridCol w="1701800"/>
+                <a:gridCol w="2743200"/>
+                <a:gridCol w="2743200"/>
+                <a:gridCol w="2743200"/>
               </a:tblGrid>
               <a:tr h="0">
                 <a:tc>
@@ -6463,7 +6384,7 @@
 </p:sld>
 </file>
 
-<file path=ppt/slides/slide12.xml><?xml version="1.0" encoding="utf-8"?>
+<file path=ppt/slides/slide11.xml><?xml version="1.0" encoding="utf-8"?>
 <p:sld xmlns:a="http://schemas.openxmlformats.org/drawingml/2006/main" xmlns:r="http://schemas.openxmlformats.org/officeDocument/2006/relationships" xmlns:p="http://schemas.openxmlformats.org/presentationml/2006/main">
   <p:cSld>
     <p:spTree>
@@ -6482,6 +6403,31 @@
       </p:grpSpPr>
       <p:sp>
         <p:nvSpPr>
+          <p:cNvPr id="2" name="Title 1"/>
+          <p:cNvSpPr>
+            <a:spLocks noGrp="1"/>
+          </p:cNvSpPr>
+          <p:nvPr>
+            <p:ph type="title"/>
+          </p:nvPr>
+        </p:nvSpPr>
+        <p:spPr/>
+        <p:txBody>
+          <a:bodyPr/>
+          <a:lstStyle/>
+          <a:p>
+            <a:pPr lvl="0" indent="0" marL="0">
+              <a:buNone/>
+            </a:pPr>
+            <a:r>
+              <a:rPr/>
+              <a:t>Quick Win: 30-Minute Experiment</a:t>
+            </a:r>
+          </a:p>
+        </p:txBody>
+      </p:sp>
+      <p:sp>
+        <p:nvSpPr>
           <p:cNvPr id="3" name="Content Placeholder 2"/>
           <p:cNvSpPr>
             <a:spLocks noGrp="1"/>
@@ -6495,12 +6441,36 @@
           <a:bodyPr/>
           <a:lstStyle/>
           <a:p>
-            <a:pPr lvl="0" indent="0" marL="0">
-              <a:buNone/>
-            </a:pPr>
-            <a:r>
-              <a:rPr/>
-              <a:t>This markdown table will render cleanly in your presentation materials and is easier to edit if needed.</a:t>
+            <a:pPr lvl="0"/>
+            <a:r>
+              <a:rPr b="1"/>
+              <a:t>What</a:t>
+            </a:r>
+            <a:r>
+              <a:rPr/>
+              <a:t>: Worksheet → HTML in 30 min</a:t>
+            </a:r>
+          </a:p>
+          <a:p>
+            <a:pPr lvl="0"/>
+            <a:r>
+              <a:rPr b="1"/>
+              <a:t>Result</a:t>
+            </a:r>
+            <a:r>
+              <a:rPr/>
+              <a:t>: Upload both verisons, more engagement</a:t>
+            </a:r>
+          </a:p>
+          <a:p>
+            <a:pPr lvl="0"/>
+            <a:r>
+              <a:rPr b="1"/>
+              <a:t>Key Insight</a:t>
+            </a:r>
+            <a:r>
+              <a:rPr/>
+              <a:t>: Options, not replacements</a:t>
             </a:r>
           </a:p>
         </p:txBody>
@@ -6510,103 +6480,7 @@
 </p:sld>
 </file>
 
-<file path=ppt/slides/slide13.xml><?xml version="1.0" encoding="utf-8"?>
-<p:sld xmlns:a="http://schemas.openxmlformats.org/drawingml/2006/main" xmlns:r="http://schemas.openxmlformats.org/officeDocument/2006/relationships" xmlns:p="http://schemas.openxmlformats.org/presentationml/2006/main">
-  <p:cSld>
-    <p:spTree>
-      <p:nvGrpSpPr>
-        <p:cNvPr id="1" name=""/>
-        <p:cNvGrpSpPr/>
-        <p:nvPr/>
-      </p:nvGrpSpPr>
-      <p:grpSpPr>
-        <a:xfrm>
-          <a:off x="0" y="0"/>
-          <a:ext cx="0" cy="0"/>
-          <a:chOff x="0" y="0"/>
-          <a:chExt cx="0" cy="0"/>
-        </a:xfrm>
-      </p:grpSpPr>
-      <p:sp>
-        <p:nvSpPr>
-          <p:cNvPr id="2" name="Title 1"/>
-          <p:cNvSpPr>
-            <a:spLocks noGrp="1"/>
-          </p:cNvSpPr>
-          <p:nvPr>
-            <p:ph type="title"/>
-          </p:nvPr>
-        </p:nvSpPr>
-        <p:spPr/>
-        <p:txBody>
-          <a:bodyPr/>
-          <a:lstStyle/>
-          <a:p>
-            <a:pPr lvl="0" indent="0" marL="0">
-              <a:buNone/>
-            </a:pPr>
-            <a:r>
-              <a:rPr/>
-              <a:t>Quick Win: 30-Minute Experiment</a:t>
-            </a:r>
-          </a:p>
-        </p:txBody>
-      </p:sp>
-      <p:sp>
-        <p:nvSpPr>
-          <p:cNvPr id="3" name="Content Placeholder 2"/>
-          <p:cNvSpPr>
-            <a:spLocks noGrp="1"/>
-          </p:cNvSpPr>
-          <p:nvPr>
-            <p:ph idx="1"/>
-          </p:nvPr>
-        </p:nvSpPr>
-        <p:spPr/>
-        <p:txBody>
-          <a:bodyPr/>
-          <a:lstStyle/>
-          <a:p>
-            <a:pPr lvl="0"/>
-            <a:r>
-              <a:rPr b="1"/>
-              <a:t>What</a:t>
-            </a:r>
-            <a:r>
-              <a:rPr/>
-              <a:t>: Worksheet → HTML in 30 min</a:t>
-            </a:r>
-          </a:p>
-          <a:p>
-            <a:pPr lvl="0"/>
-            <a:r>
-              <a:rPr b="1"/>
-              <a:t>Result</a:t>
-            </a:r>
-            <a:r>
-              <a:rPr/>
-              <a:t>: Upload both verisons, more engagement</a:t>
-            </a:r>
-          </a:p>
-          <a:p>
-            <a:pPr lvl="0"/>
-            <a:r>
-              <a:rPr b="1"/>
-              <a:t>Key Insight</a:t>
-            </a:r>
-            <a:r>
-              <a:rPr/>
-              <a:t>: Options, not replacements</a:t>
-            </a:r>
-          </a:p>
-        </p:txBody>
-      </p:sp>
-    </p:spTree>
-  </p:cSld>
-</p:sld>
-</file>
-
-<file path=ppt/slides/slide14.xml><?xml version="1.0" encoding="utf-8"?>
+<file path=ppt/slides/slide12.xml><?xml version="1.0" encoding="utf-8"?>
 <p:sld xmlns:a="http://schemas.openxmlformats.org/drawingml/2006/main" xmlns:r="http://schemas.openxmlformats.org/officeDocument/2006/relationships" xmlns:p="http://schemas.openxmlformats.org/presentationml/2006/main">
   <p:cSld>
     <p:spTree>
@@ -6737,6 +6611,188 @@
 </p:sld>
 </file>
 
+<file path=ppt/slides/slide13.xml><?xml version="1.0" encoding="utf-8"?>
+<p:sld xmlns:a="http://schemas.openxmlformats.org/drawingml/2006/main" xmlns:r="http://schemas.openxmlformats.org/officeDocument/2006/relationships" xmlns:p="http://schemas.openxmlformats.org/presentationml/2006/main">
+  <p:cSld>
+    <p:spTree>
+      <p:nvGrpSpPr>
+        <p:cNvPr id="1" name=""/>
+        <p:cNvGrpSpPr/>
+        <p:nvPr/>
+      </p:nvGrpSpPr>
+      <p:grpSpPr>
+        <a:xfrm>
+          <a:off x="0" y="0"/>
+          <a:ext cx="0" cy="0"/>
+          <a:chOff x="0" y="0"/>
+          <a:chExt cx="0" cy="0"/>
+        </a:xfrm>
+      </p:grpSpPr>
+      <p:sp>
+        <p:nvSpPr>
+          <p:cNvPr id="2" name="Title 1"/>
+          <p:cNvSpPr>
+            <a:spLocks noGrp="1"/>
+          </p:cNvSpPr>
+          <p:nvPr>
+            <p:ph type="title"/>
+          </p:nvPr>
+        </p:nvSpPr>
+        <p:spPr/>
+        <p:txBody>
+          <a:bodyPr/>
+          <a:lstStyle/>
+          <a:p>
+            <a:pPr lvl="0" indent="0" marL="0">
+              <a:buNone/>
+            </a:pPr>
+            <a:r>
+              <a:rPr/>
+              <a:t>Questions to Guide Your Thinking</a:t>
+            </a:r>
+          </a:p>
+        </p:txBody>
+      </p:sp>
+      <p:sp>
+        <p:nvSpPr>
+          <p:cNvPr id="3" name="Content Placeholder 2"/>
+          <p:cNvSpPr>
+            <a:spLocks noGrp="1"/>
+          </p:cNvSpPr>
+          <p:nvPr>
+            <p:ph idx="1"/>
+          </p:nvPr>
+        </p:nvSpPr>
+        <p:spPr/>
+        <p:txBody>
+          <a:bodyPr/>
+          <a:lstStyle/>
+          <a:p>
+            <a:pPr lvl="0"/>
+            <a:r>
+              <a:rPr/>
+              <a:t>Where can AI save time?</a:t>
+            </a:r>
+          </a:p>
+          <a:p>
+            <a:pPr lvl="0"/>
+            <a:r>
+              <a:rPr/>
+              <a:t>How could students practice discipline-specific skills?</a:t>
+            </a:r>
+          </a:p>
+          <a:p>
+            <a:pPr lvl="0"/>
+            <a:r>
+              <a:rPr/>
+              <a:t>What risks/barriers must we prepare for?</a:t>
+            </a:r>
+          </a:p>
+          <a:p>
+            <a:pPr lvl="0"/>
+            <a:r>
+              <a:rPr/>
+              <a:t>How do we move past AI shame?</a:t>
+            </a:r>
+          </a:p>
+        </p:txBody>
+      </p:sp>
+    </p:spTree>
+  </p:cSld>
+</p:sld>
+</file>
+
+<file path=ppt/slides/slide14.xml><?xml version="1.0" encoding="utf-8"?>
+<p:sld xmlns:a="http://schemas.openxmlformats.org/drawingml/2006/main" xmlns:r="http://schemas.openxmlformats.org/officeDocument/2006/relationships" xmlns:p="http://schemas.openxmlformats.org/presentationml/2006/main">
+  <p:cSld>
+    <p:spTree>
+      <p:nvGrpSpPr>
+        <p:cNvPr id="1" name=""/>
+        <p:cNvGrpSpPr/>
+        <p:nvPr/>
+      </p:nvGrpSpPr>
+      <p:grpSpPr>
+        <a:xfrm>
+          <a:off x="0" y="0"/>
+          <a:ext cx="0" cy="0"/>
+          <a:chOff x="0" y="0"/>
+          <a:chExt cx="0" cy="0"/>
+        </a:xfrm>
+      </p:grpSpPr>
+      <p:sp>
+        <p:nvSpPr>
+          <p:cNvPr id="2" name="Title 1"/>
+          <p:cNvSpPr>
+            <a:spLocks noGrp="1"/>
+          </p:cNvSpPr>
+          <p:nvPr>
+            <p:ph type="title"/>
+          </p:nvPr>
+        </p:nvSpPr>
+        <p:spPr/>
+        <p:txBody>
+          <a:bodyPr/>
+          <a:lstStyle/>
+          <a:p>
+            <a:pPr lvl="0" indent="0" marL="0">
+              <a:buNone/>
+            </a:pPr>
+            <a:r>
+              <a:rPr/>
+              <a:t>Let’s Discuss</a:t>
+            </a:r>
+          </a:p>
+        </p:txBody>
+      </p:sp>
+      <p:sp>
+        <p:nvSpPr>
+          <p:cNvPr id="3" name="Content Placeholder 2"/>
+          <p:cNvSpPr>
+            <a:spLocks noGrp="1"/>
+          </p:cNvSpPr>
+          <p:nvPr>
+            <p:ph idx="1"/>
+          </p:nvPr>
+        </p:nvSpPr>
+        <p:spPr/>
+        <p:txBody>
+          <a:bodyPr/>
+          <a:lstStyle/>
+          <a:p>
+            <a:pPr lvl="0"/>
+            <a:r>
+              <a:rPr/>
+              <a:t>What’s one small thing you could try next week?</a:t>
+            </a:r>
+          </a:p>
+          <a:p>
+            <a:pPr lvl="0"/>
+            <a:r>
+              <a:rPr/>
+              <a:t>What concerns need addressing?</a:t>
+            </a:r>
+          </a:p>
+          <a:p>
+            <a:pPr lvl="0"/>
+            <a:r>
+              <a:rPr/>
+              <a:t>How might your discipline benefit/challenge?</a:t>
+            </a:r>
+          </a:p>
+          <a:p>
+            <a:pPr lvl="0"/>
+            <a:r>
+              <a:rPr/>
+              <a:t>Have you felt AI shame?</a:t>
+            </a:r>
+          </a:p>
+        </p:txBody>
+      </p:sp>
+    </p:spTree>
+  </p:cSld>
+</p:sld>
+</file>
+
 <file path=ppt/slides/slide15.xml><?xml version="1.0" encoding="utf-8"?>
 <p:sld xmlns:a="http://schemas.openxmlformats.org/drawingml/2006/main" xmlns:r="http://schemas.openxmlformats.org/officeDocument/2006/relationships" xmlns:p="http://schemas.openxmlformats.org/presentationml/2006/main">
   <p:cSld>
@@ -6774,7 +6830,7 @@
             </a:pPr>
             <a:r>
               <a:rPr/>
-              <a:t>Questions to Guide Your Thinking</a:t>
+              <a:t>Thank You</a:t>
             </a:r>
           </a:p>
         </p:txBody>
@@ -6796,29 +6852,26 @@
           <a:p>
             <a:pPr lvl="0"/>
             <a:r>
-              <a:rPr/>
-              <a:t>Where can AI save time?</a:t>
+              <a:rPr i="1"/>
+              <a:t>“Not about answers — just questions worth asking… together, without shame”</a:t>
             </a:r>
           </a:p>
           <a:p>
             <a:pPr lvl="0"/>
             <a:r>
-              <a:rPr/>
-              <a:t>How could students practice discipline-specific skills?</a:t>
+              <a:rPr b="1"/>
+              <a:t>Next Step</a:t>
+            </a:r>
+            <a:r>
+              <a:rPr/>
+              <a:t>: Try one small experiment, share results</a:t>
             </a:r>
           </a:p>
           <a:p>
             <a:pPr lvl="0"/>
             <a:r>
-              <a:rPr/>
-              <a:t>What risks/barriers must we prepare for?</a:t>
-            </a:r>
-          </a:p>
-          <a:p>
-            <a:pPr lvl="0"/>
-            <a:r>
-              <a:rPr/>
-              <a:t>How do we move past AI shame?</a:t>
+              <a:rPr i="1"/>
+              <a:t>“The best way to predict the future is to help create it”</a:t>
             </a:r>
           </a:p>
         </p:txBody>
@@ -6829,185 +6882,6 @@
 </file>
 
 <file path=ppt/slides/slide16.xml><?xml version="1.0" encoding="utf-8"?>
-<p:sld xmlns:a="http://schemas.openxmlformats.org/drawingml/2006/main" xmlns:r="http://schemas.openxmlformats.org/officeDocument/2006/relationships" xmlns:p="http://schemas.openxmlformats.org/presentationml/2006/main">
-  <p:cSld>
-    <p:spTree>
-      <p:nvGrpSpPr>
-        <p:cNvPr id="1" name=""/>
-        <p:cNvGrpSpPr/>
-        <p:nvPr/>
-      </p:nvGrpSpPr>
-      <p:grpSpPr>
-        <a:xfrm>
-          <a:off x="0" y="0"/>
-          <a:ext cx="0" cy="0"/>
-          <a:chOff x="0" y="0"/>
-          <a:chExt cx="0" cy="0"/>
-        </a:xfrm>
-      </p:grpSpPr>
-      <p:sp>
-        <p:nvSpPr>
-          <p:cNvPr id="2" name="Title 1"/>
-          <p:cNvSpPr>
-            <a:spLocks noGrp="1"/>
-          </p:cNvSpPr>
-          <p:nvPr>
-            <p:ph type="title"/>
-          </p:nvPr>
-        </p:nvSpPr>
-        <p:spPr/>
-        <p:txBody>
-          <a:bodyPr/>
-          <a:lstStyle/>
-          <a:p>
-            <a:pPr lvl="0" indent="0" marL="0">
-              <a:buNone/>
-            </a:pPr>
-            <a:r>
-              <a:rPr/>
-              <a:t>Let’s Discuss</a:t>
-            </a:r>
-          </a:p>
-        </p:txBody>
-      </p:sp>
-      <p:sp>
-        <p:nvSpPr>
-          <p:cNvPr id="3" name="Content Placeholder 2"/>
-          <p:cNvSpPr>
-            <a:spLocks noGrp="1"/>
-          </p:cNvSpPr>
-          <p:nvPr>
-            <p:ph idx="1"/>
-          </p:nvPr>
-        </p:nvSpPr>
-        <p:spPr/>
-        <p:txBody>
-          <a:bodyPr/>
-          <a:lstStyle/>
-          <a:p>
-            <a:pPr lvl="0"/>
-            <a:r>
-              <a:rPr/>
-              <a:t>What’s one small thing you could try next week?</a:t>
-            </a:r>
-          </a:p>
-          <a:p>
-            <a:pPr lvl="0"/>
-            <a:r>
-              <a:rPr/>
-              <a:t>What concerns need addressing?</a:t>
-            </a:r>
-          </a:p>
-          <a:p>
-            <a:pPr lvl="0"/>
-            <a:r>
-              <a:rPr/>
-              <a:t>How might your discipline benefit/challenge?</a:t>
-            </a:r>
-          </a:p>
-          <a:p>
-            <a:pPr lvl="0"/>
-            <a:r>
-              <a:rPr/>
-              <a:t>Have you felt AI shame?</a:t>
-            </a:r>
-          </a:p>
-        </p:txBody>
-      </p:sp>
-    </p:spTree>
-  </p:cSld>
-</p:sld>
-</file>
-
-<file path=ppt/slides/slide17.xml><?xml version="1.0" encoding="utf-8"?>
-<p:sld xmlns:a="http://schemas.openxmlformats.org/drawingml/2006/main" xmlns:r="http://schemas.openxmlformats.org/officeDocument/2006/relationships" xmlns:p="http://schemas.openxmlformats.org/presentationml/2006/main">
-  <p:cSld>
-    <p:spTree>
-      <p:nvGrpSpPr>
-        <p:cNvPr id="1" name=""/>
-        <p:cNvGrpSpPr/>
-        <p:nvPr/>
-      </p:nvGrpSpPr>
-      <p:grpSpPr>
-        <a:xfrm>
-          <a:off x="0" y="0"/>
-          <a:ext cx="0" cy="0"/>
-          <a:chOff x="0" y="0"/>
-          <a:chExt cx="0" cy="0"/>
-        </a:xfrm>
-      </p:grpSpPr>
-      <p:sp>
-        <p:nvSpPr>
-          <p:cNvPr id="2" name="Title 1"/>
-          <p:cNvSpPr>
-            <a:spLocks noGrp="1"/>
-          </p:cNvSpPr>
-          <p:nvPr>
-            <p:ph type="title"/>
-          </p:nvPr>
-        </p:nvSpPr>
-        <p:spPr/>
-        <p:txBody>
-          <a:bodyPr/>
-          <a:lstStyle/>
-          <a:p>
-            <a:pPr lvl="0" indent="0" marL="0">
-              <a:buNone/>
-            </a:pPr>
-            <a:r>
-              <a:rPr/>
-              <a:t>Thank You</a:t>
-            </a:r>
-          </a:p>
-        </p:txBody>
-      </p:sp>
-      <p:sp>
-        <p:nvSpPr>
-          <p:cNvPr id="3" name="Content Placeholder 2"/>
-          <p:cNvSpPr>
-            <a:spLocks noGrp="1"/>
-          </p:cNvSpPr>
-          <p:nvPr>
-            <p:ph idx="1"/>
-          </p:nvPr>
-        </p:nvSpPr>
-        <p:spPr/>
-        <p:txBody>
-          <a:bodyPr/>
-          <a:lstStyle/>
-          <a:p>
-            <a:pPr lvl="0"/>
-            <a:r>
-              <a:rPr i="1"/>
-              <a:t>“Not about answers — just questions worth asking… together, without shame”</a:t>
-            </a:r>
-          </a:p>
-          <a:p>
-            <a:pPr lvl="0"/>
-            <a:r>
-              <a:rPr b="1"/>
-              <a:t>Next Step</a:t>
-            </a:r>
-            <a:r>
-              <a:rPr/>
-              <a:t>: Try one small experiment, share results</a:t>
-            </a:r>
-          </a:p>
-          <a:p>
-            <a:pPr lvl="0"/>
-            <a:r>
-              <a:rPr i="1"/>
-              <a:t>“The best way to predict the future is to help create it”</a:t>
-            </a:r>
-          </a:p>
-        </p:txBody>
-      </p:sp>
-    </p:spTree>
-  </p:cSld>
-</p:sld>
-</file>
-
-<file path=ppt/slides/slide18.xml><?xml version="1.0" encoding="utf-8"?>
 <p:sld xmlns:a="http://schemas.openxmlformats.org/drawingml/2006/main" xmlns:r="http://schemas.openxmlformats.org/officeDocument/2006/relationships" xmlns:p="http://schemas.openxmlformats.org/presentationml/2006/main">
   <p:cSld>
     <p:spTree>
